--- a/Phase03_Doc/Presentation/Final Presentations.pptx
+++ b/Phase03_Doc/Presentation/Final Presentations.pptx
@@ -216,7 +216,6 @@
             <c:showLeaderLines val="0"/>
             <c:extLst>
               <c:ext xmlns:c15="http://schemas.microsoft.com/office/drawing/2012/chart" uri="{CE6537A1-D6FC-4f65-9D91-7224C49458BB}">
-                <c15:layout/>
                 <c15:showLeaderLines val="0"/>
               </c:ext>
             </c:extLst>
@@ -303,11 +302,11 @@
           <c:showBubbleSize val="0"/>
         </c:dLbls>
         <c:smooth val="0"/>
-        <c:axId val="254157536"/>
-        <c:axId val="254158096"/>
+        <c:axId val="254308448"/>
+        <c:axId val="254309008"/>
       </c:lineChart>
       <c:catAx>
-        <c:axId val="254157536"/>
+        <c:axId val="254308448"/>
         <c:scaling>
           <c:orientation val="minMax"/>
         </c:scaling>
@@ -350,7 +349,7 @@
             <a:endParaRPr lang="zh-TW"/>
           </a:p>
         </c:txPr>
-        <c:crossAx val="254158096"/>
+        <c:crossAx val="254309008"/>
         <c:crossesAt val="0"/>
         <c:auto val="1"/>
         <c:lblAlgn val="ctr"/>
@@ -360,7 +359,7 @@
         <c:noMultiLvlLbl val="0"/>
       </c:catAx>
       <c:valAx>
-        <c:axId val="254158096"/>
+        <c:axId val="254309008"/>
         <c:scaling>
           <c:orientation val="minMax"/>
         </c:scaling>
@@ -411,7 +410,7 @@
             <a:endParaRPr lang="zh-TW"/>
           </a:p>
         </c:txPr>
-        <c:crossAx val="254157536"/>
+        <c:crossAx val="254308448"/>
         <c:crossesAt val="1"/>
         <c:crossBetween val="midCat"/>
       </c:valAx>
@@ -535,7 +534,6 @@
             <c:showLeaderLines val="0"/>
             <c:extLst>
               <c:ext xmlns:c15="http://schemas.microsoft.com/office/drawing/2012/chart" uri="{CE6537A1-D6FC-4f65-9D91-7224C49458BB}">
-                <c15:layout/>
                 <c15:showLeaderLines val="0"/>
               </c:ext>
             </c:extLst>
@@ -622,11 +620,11 @@
           <c:showBubbleSize val="0"/>
         </c:dLbls>
         <c:smooth val="0"/>
-        <c:axId val="255656688"/>
-        <c:axId val="255657248"/>
+        <c:axId val="255948144"/>
+        <c:axId val="255948704"/>
       </c:lineChart>
       <c:catAx>
-        <c:axId val="255656688"/>
+        <c:axId val="255948144"/>
         <c:scaling>
           <c:orientation val="minMax"/>
         </c:scaling>
@@ -669,7 +667,7 @@
             <a:endParaRPr lang="zh-TW"/>
           </a:p>
         </c:txPr>
-        <c:crossAx val="255657248"/>
+        <c:crossAx val="255948704"/>
         <c:crossesAt val="0"/>
         <c:auto val="1"/>
         <c:lblAlgn val="ctr"/>
@@ -679,7 +677,7 @@
         <c:noMultiLvlLbl val="0"/>
       </c:catAx>
       <c:valAx>
-        <c:axId val="255657248"/>
+        <c:axId val="255948704"/>
         <c:scaling>
           <c:orientation val="minMax"/>
         </c:scaling>
@@ -730,7 +728,7 @@
             <a:endParaRPr lang="zh-TW"/>
           </a:p>
         </c:txPr>
-        <c:crossAx val="255656688"/>
+        <c:crossAx val="255948144"/>
         <c:crossesAt val="1"/>
         <c:crossBetween val="midCat"/>
       </c:valAx>
@@ -882,7 +880,6 @@
           <c:dLbls>
             <c:dLbl>
               <c:idx val="0"/>
-              <c:layout/>
               <c:showLegendKey val="0"/>
               <c:showVal val="1"/>
               <c:showCatName val="0"/>
@@ -890,9 +887,7 @@
               <c:showPercent val="0"/>
               <c:showBubbleSize val="0"/>
               <c:extLst>
-                <c:ext xmlns:c15="http://schemas.microsoft.com/office/drawing/2012/chart" uri="{CE6537A1-D6FC-4f65-9D91-7224C49458BB}">
-                  <c15:layout/>
-                </c:ext>
+                <c:ext xmlns:c15="http://schemas.microsoft.com/office/drawing/2012/chart" uri="{CE6537A1-D6FC-4f65-9D91-7224C49458BB}"/>
               </c:extLst>
             </c:dLbl>
             <c:spPr>
@@ -1018,7 +1013,6 @@
             <c:showLeaderLines val="0"/>
             <c:extLst>
               <c:ext xmlns:c15="http://schemas.microsoft.com/office/drawing/2012/chart" uri="{CE6537A1-D6FC-4f65-9D91-7224C49458BB}">
-                <c15:layout/>
                 <c15:showLeaderLines val="1"/>
                 <c15:leaderLines>
                   <c:spPr>
@@ -1105,7 +1099,6 @@
             <c:showLeaderLines val="0"/>
             <c:extLst>
               <c:ext xmlns:c15="http://schemas.microsoft.com/office/drawing/2012/chart" uri="{CE6537A1-D6FC-4f65-9D91-7224C49458BB}">
-                <c15:layout/>
                 <c15:showLeaderLines val="1"/>
                 <c15:leaderLines>
                   <c:spPr>
@@ -1192,7 +1185,6 @@
             <c:showLeaderLines val="0"/>
             <c:extLst>
               <c:ext xmlns:c15="http://schemas.microsoft.com/office/drawing/2012/chart" uri="{CE6537A1-D6FC-4f65-9D91-7224C49458BB}">
-                <c15:layout/>
                 <c15:showLeaderLines val="1"/>
                 <c15:leaderLines>
                   <c:spPr>
@@ -1279,7 +1271,6 @@
             <c:showLeaderLines val="0"/>
             <c:extLst>
               <c:ext xmlns:c15="http://schemas.microsoft.com/office/drawing/2012/chart" uri="{CE6537A1-D6FC-4f65-9D91-7224C49458BB}">
-                <c15:layout/>
                 <c15:showLeaderLines val="1"/>
                 <c15:leaderLines>
                   <c:spPr>
@@ -1321,11 +1312,11 @@
         </c:dLbls>
         <c:gapWidth val="219"/>
         <c:overlap val="-27"/>
-        <c:axId val="256012736"/>
-        <c:axId val="256013296"/>
+        <c:axId val="255952624"/>
+        <c:axId val="255953184"/>
       </c:barChart>
       <c:catAx>
-        <c:axId val="256012736"/>
+        <c:axId val="255952624"/>
         <c:scaling>
           <c:orientation val="minMax"/>
         </c:scaling>
@@ -1367,7 +1358,7 @@
             <a:endParaRPr lang="zh-TW"/>
           </a:p>
         </c:txPr>
-        <c:crossAx val="256013296"/>
+        <c:crossAx val="255953184"/>
         <c:crossesAt val="0"/>
         <c:auto val="1"/>
         <c:lblAlgn val="ctr"/>
@@ -1375,7 +1366,7 @@
         <c:noMultiLvlLbl val="0"/>
       </c:catAx>
       <c:valAx>
-        <c:axId val="256013296"/>
+        <c:axId val="255953184"/>
         <c:scaling>
           <c:orientation val="minMax"/>
         </c:scaling>
@@ -1489,7 +1480,7 @@
             <a:endParaRPr lang="zh-TW"/>
           </a:p>
         </c:txPr>
-        <c:crossAx val="256012736"/>
+        <c:crossAx val="255952624"/>
         <c:crossesAt val="1"/>
         <c:crossBetween val="between"/>
       </c:valAx>
@@ -1503,7 +1494,6 @@
     </c:plotArea>
     <c:legend>
       <c:legendPos val="b"/>
-      <c:layout/>
       <c:overlay val="0"/>
       <c:spPr>
         <a:noFill/>
@@ -1610,7 +1600,6 @@
           <c:dLbls>
             <c:dLbl>
               <c:idx val="0"/>
-              <c:layout/>
               <c:showLegendKey val="0"/>
               <c:showVal val="1"/>
               <c:showCatName val="0"/>
@@ -1618,9 +1607,7 @@
               <c:showPercent val="0"/>
               <c:showBubbleSize val="0"/>
               <c:extLst>
-                <c:ext xmlns:c15="http://schemas.microsoft.com/office/drawing/2012/chart" uri="{CE6537A1-D6FC-4f65-9D91-7224C49458BB}">
-                  <c15:layout/>
-                </c:ext>
+                <c:ext xmlns:c15="http://schemas.microsoft.com/office/drawing/2012/chart" uri="{CE6537A1-D6FC-4f65-9D91-7224C49458BB}"/>
               </c:extLst>
             </c:dLbl>
             <c:spPr>
@@ -1746,7 +1733,6 @@
             <c:showLeaderLines val="0"/>
             <c:extLst>
               <c:ext xmlns:c15="http://schemas.microsoft.com/office/drawing/2012/chart" uri="{CE6537A1-D6FC-4f65-9D91-7224C49458BB}">
-                <c15:layout/>
                 <c15:showLeaderLines val="1"/>
                 <c15:leaderLines>
                   <c:spPr>
@@ -1833,7 +1819,6 @@
             <c:showLeaderLines val="0"/>
             <c:extLst>
               <c:ext xmlns:c15="http://schemas.microsoft.com/office/drawing/2012/chart" uri="{CE6537A1-D6FC-4f65-9D91-7224C49458BB}">
-                <c15:layout/>
                 <c15:showLeaderLines val="1"/>
                 <c15:leaderLines>
                   <c:spPr>
@@ -1920,7 +1905,6 @@
             <c:showLeaderLines val="0"/>
             <c:extLst>
               <c:ext xmlns:c15="http://schemas.microsoft.com/office/drawing/2012/chart" uri="{CE6537A1-D6FC-4f65-9D91-7224C49458BB}">
-                <c15:layout/>
                 <c15:showLeaderLines val="1"/>
                 <c15:leaderLines>
                   <c:spPr>
@@ -2007,7 +1991,6 @@
             <c:showLeaderLines val="0"/>
             <c:extLst>
               <c:ext xmlns:c15="http://schemas.microsoft.com/office/drawing/2012/chart" uri="{CE6537A1-D6FC-4f65-9D91-7224C49458BB}">
-                <c15:layout/>
                 <c15:showLeaderLines val="1"/>
                 <c15:leaderLines>
                   <c:spPr>
@@ -2049,11 +2032,11 @@
         </c:dLbls>
         <c:gapWidth val="219"/>
         <c:overlap val="-27"/>
-        <c:axId val="256017776"/>
-        <c:axId val="256018336"/>
+        <c:axId val="254669072"/>
+        <c:axId val="254669632"/>
       </c:barChart>
       <c:catAx>
-        <c:axId val="256017776"/>
+        <c:axId val="254669072"/>
         <c:scaling>
           <c:orientation val="minMax"/>
         </c:scaling>
@@ -2095,7 +2078,7 @@
             <a:endParaRPr lang="zh-TW"/>
           </a:p>
         </c:txPr>
-        <c:crossAx val="256018336"/>
+        <c:crossAx val="254669632"/>
         <c:crossesAt val="0"/>
         <c:auto val="1"/>
         <c:lblAlgn val="ctr"/>
@@ -2103,7 +2086,7 @@
         <c:noMultiLvlLbl val="0"/>
       </c:catAx>
       <c:valAx>
-        <c:axId val="256018336"/>
+        <c:axId val="254669632"/>
         <c:scaling>
           <c:orientation val="minMax"/>
         </c:scaling>
@@ -2217,7 +2200,7 @@
             <a:endParaRPr lang="zh-TW"/>
           </a:p>
         </c:txPr>
-        <c:crossAx val="256017776"/>
+        <c:crossAx val="254669072"/>
         <c:crossesAt val="1"/>
         <c:crossBetween val="between"/>
       </c:valAx>
@@ -2382,7 +2365,6 @@
             <c:showLeaderLines val="0"/>
             <c:extLst>
               <c:ext xmlns:c15="http://schemas.microsoft.com/office/drawing/2012/chart" uri="{CE6537A1-D6FC-4f65-9D91-7224C49458BB}">
-                <c15:layout/>
                 <c15:showLeaderLines val="0"/>
               </c:ext>
             </c:extLst>
@@ -2469,11 +2451,11 @@
           <c:showBubbleSize val="0"/>
         </c:dLbls>
         <c:smooth val="0"/>
-        <c:axId val="254656656"/>
-        <c:axId val="254657216"/>
+        <c:axId val="254311808"/>
+        <c:axId val="254902080"/>
       </c:lineChart>
       <c:catAx>
-        <c:axId val="254656656"/>
+        <c:axId val="254311808"/>
         <c:scaling>
           <c:orientation val="minMax"/>
         </c:scaling>
@@ -2516,7 +2498,7 @@
             <a:endParaRPr lang="zh-TW"/>
           </a:p>
         </c:txPr>
-        <c:crossAx val="254657216"/>
+        <c:crossAx val="254902080"/>
         <c:crossesAt val="0"/>
         <c:auto val="1"/>
         <c:lblAlgn val="ctr"/>
@@ -2526,7 +2508,7 @@
         <c:noMultiLvlLbl val="0"/>
       </c:catAx>
       <c:valAx>
-        <c:axId val="254657216"/>
+        <c:axId val="254902080"/>
         <c:scaling>
           <c:orientation val="minMax"/>
         </c:scaling>
@@ -2577,7 +2559,7 @@
             <a:endParaRPr lang="zh-TW"/>
           </a:p>
         </c:txPr>
-        <c:crossAx val="254656656"/>
+        <c:crossAx val="254311808"/>
         <c:crossesAt val="1"/>
         <c:crossBetween val="midCat"/>
       </c:valAx>
@@ -2701,7 +2683,6 @@
             <c:showLeaderLines val="0"/>
             <c:extLst>
               <c:ext xmlns:c15="http://schemas.microsoft.com/office/drawing/2012/chart" uri="{CE6537A1-D6FC-4f65-9D91-7224C49458BB}">
-                <c15:layout/>
                 <c15:showLeaderLines val="0"/>
               </c:ext>
             </c:extLst>
@@ -2788,11 +2769,11 @@
           <c:showBubbleSize val="0"/>
         </c:dLbls>
         <c:smooth val="0"/>
-        <c:axId val="254660016"/>
-        <c:axId val="254660576"/>
+        <c:axId val="254904880"/>
+        <c:axId val="254905440"/>
       </c:lineChart>
       <c:catAx>
-        <c:axId val="254660016"/>
+        <c:axId val="254904880"/>
         <c:scaling>
           <c:orientation val="minMax"/>
         </c:scaling>
@@ -2835,7 +2816,7 @@
             <a:endParaRPr lang="zh-TW"/>
           </a:p>
         </c:txPr>
-        <c:crossAx val="254660576"/>
+        <c:crossAx val="254905440"/>
         <c:crossesAt val="0"/>
         <c:auto val="1"/>
         <c:lblAlgn val="ctr"/>
@@ -2845,7 +2826,7 @@
         <c:noMultiLvlLbl val="0"/>
       </c:catAx>
       <c:valAx>
-        <c:axId val="254660576"/>
+        <c:axId val="254905440"/>
         <c:scaling>
           <c:orientation val="minMax"/>
         </c:scaling>
@@ -2896,7 +2877,7 @@
             <a:endParaRPr lang="zh-TW"/>
           </a:p>
         </c:txPr>
-        <c:crossAx val="254660016"/>
+        <c:crossAx val="254904880"/>
         <c:crossesAt val="1"/>
         <c:crossBetween val="midCat"/>
       </c:valAx>
@@ -3020,7 +3001,6 @@
             <c:showLeaderLines val="0"/>
             <c:extLst>
               <c:ext xmlns:c15="http://schemas.microsoft.com/office/drawing/2012/chart" uri="{CE6537A1-D6FC-4f65-9D91-7224C49458BB}">
-                <c15:layout/>
                 <c15:showLeaderLines val="0"/>
               </c:ext>
             </c:extLst>
@@ -3107,11 +3087,11 @@
           <c:showBubbleSize val="0"/>
         </c:dLbls>
         <c:smooth val="0"/>
-        <c:axId val="254663376"/>
-        <c:axId val="254663936"/>
+        <c:axId val="254907680"/>
+        <c:axId val="254908240"/>
       </c:lineChart>
       <c:catAx>
-        <c:axId val="254663376"/>
+        <c:axId val="254907680"/>
         <c:scaling>
           <c:orientation val="minMax"/>
         </c:scaling>
@@ -3154,7 +3134,7 @@
             <a:endParaRPr lang="zh-TW"/>
           </a:p>
         </c:txPr>
-        <c:crossAx val="254663936"/>
+        <c:crossAx val="254908240"/>
         <c:crossesAt val="0"/>
         <c:auto val="1"/>
         <c:lblAlgn val="ctr"/>
@@ -3164,7 +3144,7 @@
         <c:noMultiLvlLbl val="0"/>
       </c:catAx>
       <c:valAx>
-        <c:axId val="254663936"/>
+        <c:axId val="254908240"/>
         <c:scaling>
           <c:orientation val="minMax"/>
         </c:scaling>
@@ -3215,7 +3195,7 @@
             <a:endParaRPr lang="zh-TW"/>
           </a:p>
         </c:txPr>
-        <c:crossAx val="254663376"/>
+        <c:crossAx val="254907680"/>
         <c:crossesAt val="1"/>
         <c:crossBetween val="midCat"/>
       </c:valAx>
@@ -3339,7 +3319,6 @@
             <c:showLeaderLines val="0"/>
             <c:extLst>
               <c:ext xmlns:c15="http://schemas.microsoft.com/office/drawing/2012/chart" uri="{CE6537A1-D6FC-4f65-9D91-7224C49458BB}">
-                <c15:layout/>
                 <c15:showLeaderLines val="0"/>
               </c:ext>
             </c:extLst>
@@ -3426,11 +3405,11 @@
           <c:showBubbleSize val="0"/>
         </c:dLbls>
         <c:smooth val="0"/>
-        <c:axId val="254666736"/>
-        <c:axId val="254667296"/>
+        <c:axId val="255431984"/>
+        <c:axId val="255432544"/>
       </c:lineChart>
       <c:catAx>
-        <c:axId val="254666736"/>
+        <c:axId val="255431984"/>
         <c:scaling>
           <c:orientation val="minMax"/>
         </c:scaling>
@@ -3473,7 +3452,7 @@
             <a:endParaRPr lang="zh-TW"/>
           </a:p>
         </c:txPr>
-        <c:crossAx val="254667296"/>
+        <c:crossAx val="255432544"/>
         <c:crossesAt val="0"/>
         <c:auto val="1"/>
         <c:lblAlgn val="ctr"/>
@@ -3483,7 +3462,7 @@
         <c:noMultiLvlLbl val="0"/>
       </c:catAx>
       <c:valAx>
-        <c:axId val="254667296"/>
+        <c:axId val="255432544"/>
         <c:scaling>
           <c:orientation val="minMax"/>
         </c:scaling>
@@ -3534,7 +3513,7 @@
             <a:endParaRPr lang="zh-TW"/>
           </a:p>
         </c:txPr>
-        <c:crossAx val="254666736"/>
+        <c:crossAx val="255431984"/>
         <c:crossesAt val="1"/>
         <c:crossBetween val="midCat"/>
       </c:valAx>
@@ -3658,7 +3637,6 @@
             <c:showLeaderLines val="0"/>
             <c:extLst>
               <c:ext xmlns:c15="http://schemas.microsoft.com/office/drawing/2012/chart" uri="{CE6537A1-D6FC-4f65-9D91-7224C49458BB}">
-                <c15:layout/>
                 <c15:showLeaderLines val="0"/>
               </c:ext>
             </c:extLst>
@@ -3745,11 +3723,11 @@
           <c:showBubbleSize val="0"/>
         </c:dLbls>
         <c:smooth val="0"/>
-        <c:axId val="254670096"/>
-        <c:axId val="254670656"/>
+        <c:axId val="255435344"/>
+        <c:axId val="255435904"/>
       </c:lineChart>
       <c:catAx>
-        <c:axId val="254670096"/>
+        <c:axId val="255435344"/>
         <c:scaling>
           <c:orientation val="minMax"/>
         </c:scaling>
@@ -3792,7 +3770,7 @@
             <a:endParaRPr lang="zh-TW"/>
           </a:p>
         </c:txPr>
-        <c:crossAx val="254670656"/>
+        <c:crossAx val="255435904"/>
         <c:crossesAt val="0"/>
         <c:auto val="1"/>
         <c:lblAlgn val="ctr"/>
@@ -3802,7 +3780,7 @@
         <c:noMultiLvlLbl val="0"/>
       </c:catAx>
       <c:valAx>
-        <c:axId val="254670656"/>
+        <c:axId val="255435904"/>
         <c:scaling>
           <c:orientation val="minMax"/>
         </c:scaling>
@@ -3853,7 +3831,7 @@
             <a:endParaRPr lang="zh-TW"/>
           </a:p>
         </c:txPr>
-        <c:crossAx val="254670096"/>
+        <c:crossAx val="255435344"/>
         <c:crossesAt val="1"/>
         <c:crossBetween val="midCat"/>
       </c:valAx>
@@ -3977,7 +3955,6 @@
             <c:showLeaderLines val="0"/>
             <c:extLst>
               <c:ext xmlns:c15="http://schemas.microsoft.com/office/drawing/2012/chart" uri="{CE6537A1-D6FC-4f65-9D91-7224C49458BB}">
-                <c15:layout/>
                 <c15:showLeaderLines val="0"/>
               </c:ext>
             </c:extLst>
@@ -4064,11 +4041,11 @@
           <c:showBubbleSize val="0"/>
         </c:dLbls>
         <c:smooth val="0"/>
-        <c:axId val="255070496"/>
-        <c:axId val="255071056"/>
+        <c:axId val="255438704"/>
+        <c:axId val="255439264"/>
       </c:lineChart>
       <c:catAx>
-        <c:axId val="255070496"/>
+        <c:axId val="255438704"/>
         <c:scaling>
           <c:orientation val="minMax"/>
         </c:scaling>
@@ -4111,7 +4088,7 @@
             <a:endParaRPr lang="zh-TW"/>
           </a:p>
         </c:txPr>
-        <c:crossAx val="255071056"/>
+        <c:crossAx val="255439264"/>
         <c:crossesAt val="0"/>
         <c:auto val="1"/>
         <c:lblAlgn val="ctr"/>
@@ -4121,7 +4098,7 @@
         <c:noMultiLvlLbl val="0"/>
       </c:catAx>
       <c:valAx>
-        <c:axId val="255071056"/>
+        <c:axId val="255439264"/>
         <c:scaling>
           <c:orientation val="minMax"/>
         </c:scaling>
@@ -4172,7 +4149,7 @@
             <a:endParaRPr lang="zh-TW"/>
           </a:p>
         </c:txPr>
-        <c:crossAx val="255070496"/>
+        <c:crossAx val="255438704"/>
         <c:crossesAt val="1"/>
         <c:crossBetween val="midCat"/>
       </c:valAx>
@@ -4296,7 +4273,6 @@
             <c:showLeaderLines val="0"/>
             <c:extLst>
               <c:ext xmlns:c15="http://schemas.microsoft.com/office/drawing/2012/chart" uri="{CE6537A1-D6FC-4f65-9D91-7224C49458BB}">
-                <c15:layout/>
                 <c15:showLeaderLines val="0"/>
               </c:ext>
             </c:extLst>
@@ -4383,11 +4359,11 @@
           <c:showBubbleSize val="0"/>
         </c:dLbls>
         <c:smooth val="0"/>
-        <c:axId val="255073856"/>
-        <c:axId val="255074416"/>
+        <c:axId val="255442064"/>
+        <c:axId val="255442624"/>
       </c:lineChart>
       <c:catAx>
-        <c:axId val="255073856"/>
+        <c:axId val="255442064"/>
         <c:scaling>
           <c:orientation val="minMax"/>
         </c:scaling>
@@ -4430,7 +4406,7 @@
             <a:endParaRPr lang="zh-TW"/>
           </a:p>
         </c:txPr>
-        <c:crossAx val="255074416"/>
+        <c:crossAx val="255442624"/>
         <c:crossesAt val="0"/>
         <c:auto val="1"/>
         <c:lblAlgn val="ctr"/>
@@ -4440,7 +4416,7 @@
         <c:noMultiLvlLbl val="0"/>
       </c:catAx>
       <c:valAx>
-        <c:axId val="255074416"/>
+        <c:axId val="255442624"/>
         <c:scaling>
           <c:orientation val="minMax"/>
         </c:scaling>
@@ -4491,7 +4467,7 @@
             <a:endParaRPr lang="zh-TW"/>
           </a:p>
         </c:txPr>
-        <c:crossAx val="255073856"/>
+        <c:crossAx val="255442064"/>
         <c:crossesAt val="1"/>
         <c:crossBetween val="midCat"/>
       </c:valAx>
@@ -4615,7 +4591,6 @@
             <c:showLeaderLines val="0"/>
             <c:extLst>
               <c:ext xmlns:c15="http://schemas.microsoft.com/office/drawing/2012/chart" uri="{CE6537A1-D6FC-4f65-9D91-7224C49458BB}">
-                <c15:layout/>
                 <c15:showLeaderLines val="0"/>
               </c:ext>
             </c:extLst>
@@ -4702,11 +4677,11 @@
           <c:showBubbleSize val="0"/>
         </c:dLbls>
         <c:smooth val="0"/>
-        <c:axId val="255651648"/>
-        <c:axId val="255652208"/>
+        <c:axId val="255445424"/>
+        <c:axId val="255445984"/>
       </c:lineChart>
       <c:catAx>
-        <c:axId val="255651648"/>
+        <c:axId val="255445424"/>
         <c:scaling>
           <c:orientation val="minMax"/>
         </c:scaling>
@@ -4749,7 +4724,7 @@
             <a:endParaRPr lang="zh-TW"/>
           </a:p>
         </c:txPr>
-        <c:crossAx val="255652208"/>
+        <c:crossAx val="255445984"/>
         <c:crossesAt val="0"/>
         <c:auto val="1"/>
         <c:lblAlgn val="ctr"/>
@@ -4759,7 +4734,7 @@
         <c:noMultiLvlLbl val="0"/>
       </c:catAx>
       <c:valAx>
-        <c:axId val="255652208"/>
+        <c:axId val="255445984"/>
         <c:scaling>
           <c:orientation val="minMax"/>
         </c:scaling>
@@ -4810,7 +4785,7 @@
             <a:endParaRPr lang="zh-TW"/>
           </a:p>
         </c:txPr>
-        <c:crossAx val="255651648"/>
+        <c:crossAx val="255445424"/>
         <c:crossesAt val="1"/>
         <c:crossBetween val="midCat"/>
       </c:valAx>
@@ -17666,25 +17641,7 @@
               <a:srgbClr val="FFFFFF"/>
             </a:contourClr>
           </a:sp3d>
-          <a:extLst>
-            <a:ext uri="{909E8E84-426E-40DD-AFC4-6F175D3DCCD1}">
-              <a14:hiddenFill xmlns:a14="http://schemas.microsoft.com/office/drawing/2010/main">
-                <a:solidFill>
-                  <a:srgbClr val="FFFFFF"/>
-                </a:solidFill>
-              </a14:hiddenFill>
-            </a:ext>
-            <a:ext uri="{91240B29-F687-4F45-9708-019B960494DF}">
-              <a14:hiddenLine xmlns:a14="http://schemas.microsoft.com/office/drawing/2010/main" w="9525">
-                <a:solidFill>
-                  <a:srgbClr val="000000"/>
-                </a:solidFill>
-                <a:miter lim="800000"/>
-                <a:headEnd/>
-                <a:tailEnd/>
-              </a14:hiddenLine>
-            </a:ext>
-          </a:extLst>
+          <a:extLst/>
         </p:spPr>
       </p:pic>
       <p:pic>
@@ -17746,25 +17703,7 @@
               <a:srgbClr val="FFFFFF"/>
             </a:contourClr>
           </a:sp3d>
-          <a:extLst>
-            <a:ext uri="{909E8E84-426E-40DD-AFC4-6F175D3DCCD1}">
-              <a14:hiddenFill xmlns:a14="http://schemas.microsoft.com/office/drawing/2010/main">
-                <a:solidFill>
-                  <a:srgbClr val="FFFFFF"/>
-                </a:solidFill>
-              </a14:hiddenFill>
-            </a:ext>
-            <a:ext uri="{91240B29-F687-4F45-9708-019B960494DF}">
-              <a14:hiddenLine xmlns:a14="http://schemas.microsoft.com/office/drawing/2010/main" w="9525">
-                <a:solidFill>
-                  <a:srgbClr val="000000"/>
-                </a:solidFill>
-                <a:miter lim="800000"/>
-                <a:headEnd/>
-                <a:tailEnd/>
-              </a14:hiddenLine>
-            </a:ext>
-          </a:extLst>
+          <a:extLst/>
         </p:spPr>
       </p:pic>
     </p:spTree>
@@ -18489,7 +18428,27 @@
             <a:endParaRPr lang="en-US" altLang="zh-TW" dirty="0" smtClean="0"/>
           </a:p>
           <a:p>
-            <a:endParaRPr lang="zh-TW" altLang="en-US" sz="2400" dirty="0"/>
+            <a:r>
+              <a:rPr lang="en-US" altLang="zh-TW" sz="2400"/>
+              <a:t>GitHub </a:t>
+            </a:r>
+            <a:endParaRPr lang="en-US" altLang="zh-TW" sz="2400"/>
+          </a:p>
+          <a:p>
+            <a:pPr lvl="1"/>
+            <a:r>
+              <a:rPr lang="en-US" altLang="zh-TW" sz="1600" dirty="0" smtClean="0">
+                <a:hlinkClick r:id="rId2"/>
+              </a:rPr>
+              <a:t>https</a:t>
+            </a:r>
+            <a:r>
+              <a:rPr lang="en-US" altLang="zh-TW" sz="1600" dirty="0">
+                <a:hlinkClick r:id="rId2"/>
+              </a:rPr>
+              <a:t>://github.com/LutherTsaiTW/2015SoftwareEngineering</a:t>
+            </a:r>
+            <a:endParaRPr lang="zh-TW" altLang="en-US" sz="1600" dirty="0"/>
           </a:p>
         </p:txBody>
       </p:sp>

--- a/Phase03_Doc/Presentation/Final Presentations.pptx
+++ b/Phase03_Doc/Presentation/Final Presentations.pptx
@@ -114,7 +114,7 @@
   </p:defaultTextStyle>
   <p:extLst>
     <p:ext uri="{EFAFB233-063F-42B5-8137-9DF3F51BA10A}">
-      <p15:sldGuideLst xmlns:p15="http://schemas.microsoft.com/office/powerpoint/2012/main">
+      <p15:sldGuideLst xmlns:p15="http://schemas.microsoft.com/office/powerpoint/2012/main" xmlns="">
         <p15:guide id="1" orient="horz" pos="2160">
           <p15:clr>
             <a:srgbClr val="A4A3A4"/>
@@ -152,10 +152,10 @@
           <c:layoutTarget val="inner"/>
           <c:xMode val="edge"/>
           <c:yMode val="edge"/>
-          <c:x val="5.0107483656330283E-2"/>
-          <c:y val="3.2407425638473077E-2"/>
-          <c:w val="0.94629156010230175"/>
-          <c:h val="0.90972273634323475"/>
+          <c:x val="0.0501074836563303"/>
+          <c:y val="0.0324074256384731"/>
+          <c:w val="0.946291560102302"/>
+          <c:h val="0.909722736343235"/>
         </c:manualLayout>
       </c:layout>
       <c:lineChart>
@@ -233,13 +233,13 @@
                   <c:v>26.5</c:v>
                 </c:pt>
                 <c:pt idx="2">
-                  <c:v>17</c:v>
+                  <c:v>17.0</c:v>
                 </c:pt>
                 <c:pt idx="3">
-                  <c:v>15</c:v>
+                  <c:v>15.0</c:v>
                 </c:pt>
                 <c:pt idx="4">
-                  <c:v>7</c:v>
+                  <c:v>7.0</c:v>
                 </c:pt>
                 <c:pt idx="5">
                   <c:v>5.5</c:v>
@@ -286,7 +286,7 @@
                   <c:v>5.3</c:v>
                 </c:pt>
                 <c:pt idx="5">
-                  <c:v>0</c:v>
+                  <c:v>0.0</c:v>
                 </c:pt>
               </c:numCache>
             </c:numRef>
@@ -301,12 +301,13 @@
           <c:showPercent val="0"/>
           <c:showBubbleSize val="0"/>
         </c:dLbls>
+        <c:marker val="1"/>
         <c:smooth val="0"/>
-        <c:axId val="254308448"/>
-        <c:axId val="254309008"/>
+        <c:axId val="2127995112"/>
+        <c:axId val="2128005576"/>
       </c:lineChart>
       <c:catAx>
-        <c:axId val="254308448"/>
+        <c:axId val="2127995112"/>
         <c:scaling>
           <c:orientation val="minMax"/>
         </c:scaling>
@@ -349,8 +350,8 @@
             <a:endParaRPr lang="zh-TW"/>
           </a:p>
         </c:txPr>
-        <c:crossAx val="254309008"/>
-        <c:crossesAt val="0"/>
+        <c:crossAx val="2128005576"/>
+        <c:crossesAt val="0.0"/>
         <c:auto val="1"/>
         <c:lblAlgn val="ctr"/>
         <c:lblOffset val="100"/>
@@ -359,7 +360,7 @@
         <c:noMultiLvlLbl val="0"/>
       </c:catAx>
       <c:valAx>
-        <c:axId val="254309008"/>
+        <c:axId val="2128005576"/>
         <c:scaling>
           <c:orientation val="minMax"/>
         </c:scaling>
@@ -410,8 +411,8 @@
             <a:endParaRPr lang="zh-TW"/>
           </a:p>
         </c:txPr>
-        <c:crossAx val="254308448"/>
-        <c:crossesAt val="1"/>
+        <c:crossAx val="2127995112"/>
+        <c:crossesAt val="1.0"/>
         <c:crossBetween val="midCat"/>
       </c:valAx>
       <c:spPr>
@@ -443,7 +444,7 @@
       <a:endParaRPr lang="zh-TW"/>
     </a:p>
   </c:txPr>
-  <c:externalData r:id="rId3">
+  <c:externalData r:id="rId1">
     <c:autoUpdate val="0"/>
   </c:externalData>
 </c:chartSpace>
@@ -470,10 +471,10 @@
           <c:layoutTarget val="inner"/>
           <c:xMode val="edge"/>
           <c:yMode val="edge"/>
-          <c:x val="3.1969309462915603E-2"/>
-          <c:y val="3.2407425722150912E-2"/>
-          <c:w val="0.94629156010230198"/>
-          <c:h val="0.90972273634323508"/>
+          <c:x val="0.0319693094629156"/>
+          <c:y val="0.0324074257221509"/>
+          <c:w val="0.946291560102302"/>
+          <c:h val="0.909722736343235"/>
         </c:manualLayout>
       </c:layout>
       <c:lineChart>
@@ -545,22 +546,22 @@
                 <c:formatCode>General</c:formatCode>
                 <c:ptCount val="6"/>
                 <c:pt idx="0">
-                  <c:v>21</c:v>
+                  <c:v>21.0</c:v>
                 </c:pt>
                 <c:pt idx="1">
                   <c:v>9.5</c:v>
                 </c:pt>
                 <c:pt idx="2">
-                  <c:v>7</c:v>
+                  <c:v>7.0</c:v>
                 </c:pt>
                 <c:pt idx="3">
-                  <c:v>5</c:v>
+                  <c:v>5.0</c:v>
                 </c:pt>
                 <c:pt idx="4">
-                  <c:v>4</c:v>
+                  <c:v>4.0</c:v>
                 </c:pt>
                 <c:pt idx="5">
-                  <c:v>0</c:v>
+                  <c:v>0.0</c:v>
                 </c:pt>
               </c:numCache>
             </c:numRef>
@@ -589,7 +590,7 @@
                 <c:formatCode>General</c:formatCode>
                 <c:ptCount val="6"/>
                 <c:pt idx="0">
-                  <c:v>21</c:v>
+                  <c:v>21.0</c:v>
                 </c:pt>
                 <c:pt idx="1">
                   <c:v>16.8</c:v>
@@ -604,7 +605,7 @@
                   <c:v>4.2</c:v>
                 </c:pt>
                 <c:pt idx="5">
-                  <c:v>0</c:v>
+                  <c:v>0.0</c:v>
                 </c:pt>
               </c:numCache>
             </c:numRef>
@@ -619,12 +620,13 @@
           <c:showPercent val="0"/>
           <c:showBubbleSize val="0"/>
         </c:dLbls>
+        <c:marker val="1"/>
         <c:smooth val="0"/>
-        <c:axId val="255948144"/>
-        <c:axId val="255948704"/>
+        <c:axId val="2129010856"/>
+        <c:axId val="2129014472"/>
       </c:lineChart>
       <c:catAx>
-        <c:axId val="255948144"/>
+        <c:axId val="2129010856"/>
         <c:scaling>
           <c:orientation val="minMax"/>
         </c:scaling>
@@ -667,8 +669,8 @@
             <a:endParaRPr lang="zh-TW"/>
           </a:p>
         </c:txPr>
-        <c:crossAx val="255948704"/>
-        <c:crossesAt val="0"/>
+        <c:crossAx val="2129014472"/>
+        <c:crossesAt val="0.0"/>
         <c:auto val="1"/>
         <c:lblAlgn val="ctr"/>
         <c:lblOffset val="100"/>
@@ -677,7 +679,7 @@
         <c:noMultiLvlLbl val="0"/>
       </c:catAx>
       <c:valAx>
-        <c:axId val="255948704"/>
+        <c:axId val="2129014472"/>
         <c:scaling>
           <c:orientation val="minMax"/>
         </c:scaling>
@@ -728,8 +730,8 @@
             <a:endParaRPr lang="zh-TW"/>
           </a:p>
         </c:txPr>
-        <c:crossAx val="255948144"/>
-        <c:crossesAt val="1"/>
+        <c:crossAx val="2129010856"/>
+        <c:crossesAt val="1.0"/>
         <c:crossBetween val="midCat"/>
       </c:valAx>
       <c:spPr>
@@ -761,7 +763,7 @@
       <a:endParaRPr lang="zh-TW"/>
     </a:p>
   </c:txPr>
-  <c:externalData r:id="rId3">
+  <c:externalData r:id="rId1">
     <c:autoUpdate val="0"/>
   </c:externalData>
 </c:chartSpace>
@@ -811,8 +813,8 @@
         <c:manualLayout>
           <c:xMode val="edge"/>
           <c:yMode val="edge"/>
-          <c:x val="0.32524400733449715"/>
-          <c:y val="2.6246992269177441E-2"/>
+          <c:x val="0.325244007334497"/>
+          <c:y val="0.0262469922691774"/>
         </c:manualLayout>
       </c:layout>
       <c:overlay val="0"/>
@@ -823,26 +825,6 @@
         </a:ln>
         <a:effectLst/>
       </c:spPr>
-      <c:txPr>
-        <a:bodyPr rot="0" spcFirstLastPara="1" vertOverflow="ellipsis" vert="horz" wrap="square" anchor="ctr" anchorCtr="1"/>
-        <a:lstStyle/>
-        <a:p>
-          <a:pPr>
-            <a:defRPr sz="1862" b="0" i="0" u="none" strike="noStrike" kern="1200" spc="0" baseline="0">
-              <a:solidFill>
-                <a:schemeClr val="tx1">
-                  <a:lumMod val="65000"/>
-                  <a:lumOff val="35000"/>
-                </a:schemeClr>
-              </a:solidFill>
-              <a:latin typeface="+mn-lt"/>
-              <a:ea typeface="+mn-ea"/>
-              <a:cs typeface="+mn-cs"/>
-            </a:defRPr>
-          </a:pPr>
-          <a:endParaRPr lang="zh-TW"/>
-        </a:p>
-      </c:txPr>
     </c:title>
     <c:autoTitleDeleted val="0"/>
     <c:plotArea>
@@ -851,10 +833,10 @@
           <c:layoutTarget val="inner"/>
           <c:xMode val="edge"/>
           <c:yMode val="edge"/>
-          <c:x val="9.6198238771796785E-2"/>
-          <c:y val="0.13995491790157055"/>
-          <c:w val="0.83926107283464568"/>
-          <c:h val="0.77366561679790025"/>
+          <c:x val="0.0961982387717968"/>
+          <c:y val="0.139954917901571"/>
+          <c:w val="0.839261072834646"/>
+          <c:h val="0.7736656167979"/>
         </c:manualLayout>
       </c:layout>
       <c:barChart>
@@ -880,6 +862,7 @@
           <c:dLbls>
             <c:dLbl>
               <c:idx val="0"/>
+              <c:layout/>
               <c:showLegendKey val="0"/>
               <c:showVal val="1"/>
               <c:showCatName val="0"/>
@@ -1038,7 +1021,7 @@
                 <c:formatCode>General</c:formatCode>
                 <c:ptCount val="1"/>
                 <c:pt idx="0">
-                  <c:v>51</c:v>
+                  <c:v>51.0</c:v>
                 </c:pt>
               </c:numCache>
             </c:numRef>
@@ -1124,7 +1107,7 @@
                 <c:formatCode>General</c:formatCode>
                 <c:ptCount val="1"/>
                 <c:pt idx="0">
-                  <c:v>43</c:v>
+                  <c:v>43.0</c:v>
                 </c:pt>
               </c:numCache>
             </c:numRef>
@@ -1210,7 +1193,7 @@
                 <c:formatCode>General</c:formatCode>
                 <c:ptCount val="1"/>
                 <c:pt idx="0">
-                  <c:v>34</c:v>
+                  <c:v>34.0</c:v>
                 </c:pt>
               </c:numCache>
             </c:numRef>
@@ -1296,7 +1279,7 @@
                 <c:formatCode>General</c:formatCode>
                 <c:ptCount val="1"/>
                 <c:pt idx="0">
-                  <c:v>47</c:v>
+                  <c:v>47.0</c:v>
                 </c:pt>
               </c:numCache>
             </c:numRef>
@@ -1312,11 +1295,11 @@
         </c:dLbls>
         <c:gapWidth val="219"/>
         <c:overlap val="-27"/>
-        <c:axId val="255952624"/>
-        <c:axId val="255953184"/>
+        <c:axId val="2129084936"/>
+        <c:axId val="2129088488"/>
       </c:barChart>
       <c:catAx>
-        <c:axId val="255952624"/>
+        <c:axId val="2129084936"/>
         <c:scaling>
           <c:orientation val="minMax"/>
         </c:scaling>
@@ -1358,15 +1341,15 @@
             <a:endParaRPr lang="zh-TW"/>
           </a:p>
         </c:txPr>
-        <c:crossAx val="255953184"/>
-        <c:crossesAt val="0"/>
+        <c:crossAx val="2129088488"/>
+        <c:crossesAt val="0.0"/>
         <c:auto val="1"/>
         <c:lblAlgn val="ctr"/>
         <c:lblOffset val="100"/>
         <c:noMultiLvlLbl val="0"/>
       </c:catAx>
       <c:valAx>
-        <c:axId val="255953184"/>
+        <c:axId val="2129088488"/>
         <c:scaling>
           <c:orientation val="minMax"/>
         </c:scaling>
@@ -1416,8 +1399,8 @@
             <c:manualLayout>
               <c:xMode val="edge"/>
               <c:yMode val="edge"/>
-              <c:x val="1.2074680118110236E-2"/>
-              <c:y val="0.53805756780402447"/>
+              <c:x val="0.0120746801181102"/>
+              <c:y val="0.538057567804024"/>
             </c:manualLayout>
           </c:layout>
           <c:overlay val="0"/>
@@ -1428,26 +1411,6 @@
             </a:ln>
             <a:effectLst/>
           </c:spPr>
-          <c:txPr>
-            <a:bodyPr rot="-5400000" spcFirstLastPara="1" vertOverflow="ellipsis" vert="horz" wrap="square" anchor="ctr" anchorCtr="1"/>
-            <a:lstStyle/>
-            <a:p>
-              <a:pPr>
-                <a:defRPr sz="1330" b="0" i="0" u="none" strike="noStrike" kern="1200" baseline="0">
-                  <a:solidFill>
-                    <a:schemeClr val="tx1">
-                      <a:lumMod val="65000"/>
-                      <a:lumOff val="35000"/>
-                    </a:schemeClr>
-                  </a:solidFill>
-                  <a:latin typeface="+mn-lt"/>
-                  <a:ea typeface="+mn-ea"/>
-                  <a:cs typeface="+mn-cs"/>
-                </a:defRPr>
-              </a:pPr>
-              <a:endParaRPr lang="zh-TW"/>
-            </a:p>
-          </c:txPr>
         </c:title>
         <c:numFmt formatCode="General" sourceLinked="1"/>
         <c:majorTickMark val="none"/>
@@ -1480,8 +1443,8 @@
             <a:endParaRPr lang="zh-TW"/>
           </a:p>
         </c:txPr>
-        <c:crossAx val="255952624"/>
-        <c:crossesAt val="1"/>
+        <c:crossAx val="2129084936"/>
+        <c:crossesAt val="1.0"/>
         <c:crossBetween val="between"/>
       </c:valAx>
       <c:spPr>
@@ -1494,6 +1457,7 @@
     </c:plotArea>
     <c:legend>
       <c:legendPos val="b"/>
+      <c:layout/>
       <c:overlay val="0"/>
       <c:spPr>
         <a:noFill/>
@@ -1544,7 +1508,7 @@
       <a:endParaRPr lang="zh-TW"/>
     </a:p>
   </c:txPr>
-  <c:externalData r:id="rId3">
+  <c:externalData r:id="rId1">
     <c:autoUpdate val="0"/>
   </c:externalData>
 </c:chartSpace>
@@ -1571,10 +1535,10 @@
           <c:layoutTarget val="inner"/>
           <c:xMode val="edge"/>
           <c:yMode val="edge"/>
-          <c:x val="9.6198238771796785E-2"/>
-          <c:y val="0.13995491790157055"/>
-          <c:w val="0.83926107283464568"/>
-          <c:h val="0.77366561679790025"/>
+          <c:x val="0.0961982387717968"/>
+          <c:y val="0.139954917901571"/>
+          <c:w val="0.839261072834646"/>
+          <c:h val="0.7736656167979"/>
         </c:manualLayout>
       </c:layout>
       <c:barChart>
@@ -1600,6 +1564,7 @@
           <c:dLbls>
             <c:dLbl>
               <c:idx val="0"/>
+              <c:layout/>
               <c:showLegendKey val="0"/>
               <c:showVal val="1"/>
               <c:showCatName val="0"/>
@@ -1758,7 +1723,7 @@
                 <c:formatCode>General</c:formatCode>
                 <c:ptCount val="1"/>
                 <c:pt idx="0">
-                  <c:v>51</c:v>
+                  <c:v>51.0</c:v>
                 </c:pt>
               </c:numCache>
             </c:numRef>
@@ -1844,7 +1809,7 @@
                 <c:formatCode>General</c:formatCode>
                 <c:ptCount val="1"/>
                 <c:pt idx="0">
-                  <c:v>43</c:v>
+                  <c:v>43.0</c:v>
                 </c:pt>
               </c:numCache>
             </c:numRef>
@@ -1930,7 +1895,7 @@
                 <c:formatCode>General</c:formatCode>
                 <c:ptCount val="1"/>
                 <c:pt idx="0">
-                  <c:v>34</c:v>
+                  <c:v>34.0</c:v>
                 </c:pt>
               </c:numCache>
             </c:numRef>
@@ -2016,7 +1981,7 @@
                 <c:formatCode>General</c:formatCode>
                 <c:ptCount val="1"/>
                 <c:pt idx="0">
-                  <c:v>47</c:v>
+                  <c:v>47.0</c:v>
                 </c:pt>
               </c:numCache>
             </c:numRef>
@@ -2032,11 +1997,11 @@
         </c:dLbls>
         <c:gapWidth val="219"/>
         <c:overlap val="-27"/>
-        <c:axId val="254669072"/>
-        <c:axId val="254669632"/>
+        <c:axId val="2129158920"/>
+        <c:axId val="2129162472"/>
       </c:barChart>
       <c:catAx>
-        <c:axId val="254669072"/>
+        <c:axId val="2129158920"/>
         <c:scaling>
           <c:orientation val="minMax"/>
         </c:scaling>
@@ -2078,15 +2043,15 @@
             <a:endParaRPr lang="zh-TW"/>
           </a:p>
         </c:txPr>
-        <c:crossAx val="254669632"/>
-        <c:crossesAt val="0"/>
+        <c:crossAx val="2129162472"/>
+        <c:crossesAt val="0.0"/>
         <c:auto val="1"/>
         <c:lblAlgn val="ctr"/>
         <c:lblOffset val="100"/>
         <c:noMultiLvlLbl val="0"/>
       </c:catAx>
       <c:valAx>
-        <c:axId val="254669632"/>
+        <c:axId val="2129162472"/>
         <c:scaling>
           <c:orientation val="minMax"/>
         </c:scaling>
@@ -2136,8 +2101,8 @@
             <c:manualLayout>
               <c:xMode val="edge"/>
               <c:yMode val="edge"/>
-              <c:x val="1.2074680118110236E-2"/>
-              <c:y val="0.53805756780402447"/>
+              <c:x val="0.0120746801181102"/>
+              <c:y val="0.538057567804024"/>
             </c:manualLayout>
           </c:layout>
           <c:overlay val="0"/>
@@ -2148,26 +2113,6 @@
             </a:ln>
             <a:effectLst/>
           </c:spPr>
-          <c:txPr>
-            <a:bodyPr rot="-5400000" spcFirstLastPara="1" vertOverflow="ellipsis" vert="horz" wrap="square" anchor="ctr" anchorCtr="1"/>
-            <a:lstStyle/>
-            <a:p>
-              <a:pPr>
-                <a:defRPr sz="1330" b="0" i="0" u="none" strike="noStrike" kern="1200" baseline="0">
-                  <a:solidFill>
-                    <a:schemeClr val="tx1">
-                      <a:lumMod val="65000"/>
-                      <a:lumOff val="35000"/>
-                    </a:schemeClr>
-                  </a:solidFill>
-                  <a:latin typeface="+mn-lt"/>
-                  <a:ea typeface="+mn-ea"/>
-                  <a:cs typeface="+mn-cs"/>
-                </a:defRPr>
-              </a:pPr>
-              <a:endParaRPr lang="zh-TW"/>
-            </a:p>
-          </c:txPr>
         </c:title>
         <c:numFmt formatCode="General" sourceLinked="1"/>
         <c:majorTickMark val="none"/>
@@ -2200,8 +2145,8 @@
             <a:endParaRPr lang="zh-TW"/>
           </a:p>
         </c:txPr>
-        <c:crossAx val="254669072"/>
-        <c:crossesAt val="1"/>
+        <c:crossAx val="2129158920"/>
+        <c:crossesAt val="1.0"/>
         <c:crossBetween val="between"/>
       </c:valAx>
       <c:spPr>
@@ -2218,10 +2163,10 @@
         <c:manualLayout>
           <c:xMode val="edge"/>
           <c:yMode val="edge"/>
-          <c:x val="3.1252241972079244E-2"/>
+          <c:x val="0.0312522419720793"/>
           <c:y val="0.893738524371536"/>
-          <c:w val="0.89999985238043922"/>
-          <c:h val="0.10626159712091279"/>
+          <c:w val="0.899999852380439"/>
+          <c:h val="0.106261597120913"/>
         </c:manualLayout>
       </c:layout>
       <c:overlay val="0"/>
@@ -2274,7 +2219,7 @@
       <a:endParaRPr lang="zh-TW"/>
     </a:p>
   </c:txPr>
-  <c:externalData r:id="rId3">
+  <c:externalData r:id="rId1">
     <c:autoUpdate val="0"/>
   </c:externalData>
 </c:chartSpace>
@@ -2301,10 +2246,10 @@
           <c:layoutTarget val="inner"/>
           <c:xMode val="edge"/>
           <c:yMode val="edge"/>
-          <c:x val="6.8186572712697957E-2"/>
-          <c:y val="3.0625155068315799E-2"/>
-          <c:w val="0.94629156010230175"/>
-          <c:h val="0.90972273634323475"/>
+          <c:x val="0.0681865727126979"/>
+          <c:y val="0.0306251550683158"/>
+          <c:w val="0.946291560102302"/>
+          <c:h val="0.909722736343235"/>
         </c:manualLayout>
       </c:layout>
       <c:lineChart>
@@ -2379,19 +2324,19 @@
                   <c:v>16.5</c:v>
                 </c:pt>
                 <c:pt idx="1">
-                  <c:v>11</c:v>
+                  <c:v>11.0</c:v>
                 </c:pt>
                 <c:pt idx="2">
-                  <c:v>10</c:v>
+                  <c:v>10.0</c:v>
                 </c:pt>
                 <c:pt idx="3">
                   <c:v>8.5</c:v>
                 </c:pt>
                 <c:pt idx="4">
-                  <c:v>5</c:v>
+                  <c:v>5.0</c:v>
                 </c:pt>
                 <c:pt idx="5">
-                  <c:v>1</c:v>
+                  <c:v>1.0</c:v>
                 </c:pt>
               </c:numCache>
             </c:numRef>
@@ -2435,7 +2380,7 @@
                   <c:v>3.3</c:v>
                 </c:pt>
                 <c:pt idx="5">
-                  <c:v>0</c:v>
+                  <c:v>0.0</c:v>
                 </c:pt>
               </c:numCache>
             </c:numRef>
@@ -2450,12 +2395,13 @@
           <c:showPercent val="0"/>
           <c:showBubbleSize val="0"/>
         </c:dLbls>
+        <c:marker val="1"/>
         <c:smooth val="0"/>
-        <c:axId val="254311808"/>
-        <c:axId val="254902080"/>
+        <c:axId val="2128037640"/>
+        <c:axId val="2128041256"/>
       </c:lineChart>
       <c:catAx>
-        <c:axId val="254311808"/>
+        <c:axId val="2128037640"/>
         <c:scaling>
           <c:orientation val="minMax"/>
         </c:scaling>
@@ -2498,8 +2444,8 @@
             <a:endParaRPr lang="zh-TW"/>
           </a:p>
         </c:txPr>
-        <c:crossAx val="254902080"/>
-        <c:crossesAt val="0"/>
+        <c:crossAx val="2128041256"/>
+        <c:crossesAt val="0.0"/>
         <c:auto val="1"/>
         <c:lblAlgn val="ctr"/>
         <c:lblOffset val="100"/>
@@ -2508,7 +2454,7 @@
         <c:noMultiLvlLbl val="0"/>
       </c:catAx>
       <c:valAx>
-        <c:axId val="254902080"/>
+        <c:axId val="2128041256"/>
         <c:scaling>
           <c:orientation val="minMax"/>
         </c:scaling>
@@ -2559,8 +2505,8 @@
             <a:endParaRPr lang="zh-TW"/>
           </a:p>
         </c:txPr>
-        <c:crossAx val="254311808"/>
-        <c:crossesAt val="1"/>
+        <c:crossAx val="2128037640"/>
+        <c:crossesAt val="1.0"/>
         <c:crossBetween val="midCat"/>
       </c:valAx>
       <c:spPr>
@@ -2592,7 +2538,7 @@
       <a:endParaRPr lang="zh-TW"/>
     </a:p>
   </c:txPr>
-  <c:externalData r:id="rId3">
+  <c:externalData r:id="rId1">
     <c:autoUpdate val="0"/>
   </c:externalData>
 </c:chartSpace>
@@ -2619,10 +2565,10 @@
           <c:layoutTarget val="inner"/>
           <c:xMode val="edge"/>
           <c:yMode val="edge"/>
-          <c:x val="3.1969309462915603E-2"/>
-          <c:y val="3.2407425722150857E-2"/>
-          <c:w val="0.94629156010230175"/>
-          <c:h val="0.90972273634323475"/>
+          <c:x val="0.0319693094629156"/>
+          <c:y val="0.0324074257221509"/>
+          <c:w val="0.946291560102302"/>
+          <c:h val="0.909722736343235"/>
         </c:manualLayout>
       </c:layout>
       <c:lineChart>
@@ -2694,22 +2640,22 @@
                 <c:formatCode>General</c:formatCode>
                 <c:ptCount val="6"/>
                 <c:pt idx="0">
-                  <c:v>20</c:v>
+                  <c:v>20.0</c:v>
                 </c:pt>
                 <c:pt idx="1">
                   <c:v>18.5</c:v>
                 </c:pt>
                 <c:pt idx="2">
-                  <c:v>16</c:v>
+                  <c:v>16.0</c:v>
                 </c:pt>
                 <c:pt idx="3">
-                  <c:v>10</c:v>
+                  <c:v>10.0</c:v>
                 </c:pt>
                 <c:pt idx="4">
                   <c:v>0.5</c:v>
                 </c:pt>
                 <c:pt idx="5">
-                  <c:v>0</c:v>
+                  <c:v>0.0</c:v>
                 </c:pt>
               </c:numCache>
             </c:numRef>
@@ -2738,22 +2684,22 @@
                 <c:formatCode>General</c:formatCode>
                 <c:ptCount val="6"/>
                 <c:pt idx="0">
-                  <c:v>20</c:v>
+                  <c:v>20.0</c:v>
                 </c:pt>
                 <c:pt idx="1">
-                  <c:v>16</c:v>
+                  <c:v>16.0</c:v>
                 </c:pt>
                 <c:pt idx="2">
-                  <c:v>12</c:v>
+                  <c:v>12.0</c:v>
                 </c:pt>
                 <c:pt idx="3">
-                  <c:v>8</c:v>
+                  <c:v>8.0</c:v>
                 </c:pt>
                 <c:pt idx="4">
-                  <c:v>4</c:v>
+                  <c:v>4.0</c:v>
                 </c:pt>
                 <c:pt idx="5">
-                  <c:v>0</c:v>
+                  <c:v>0.0</c:v>
                 </c:pt>
               </c:numCache>
             </c:numRef>
@@ -2768,12 +2714,13 @@
           <c:showPercent val="0"/>
           <c:showBubbleSize val="0"/>
         </c:dLbls>
+        <c:marker val="1"/>
         <c:smooth val="0"/>
-        <c:axId val="254904880"/>
-        <c:axId val="254905440"/>
+        <c:axId val="2128073928"/>
+        <c:axId val="2128077544"/>
       </c:lineChart>
       <c:catAx>
-        <c:axId val="254904880"/>
+        <c:axId val="2128073928"/>
         <c:scaling>
           <c:orientation val="minMax"/>
         </c:scaling>
@@ -2816,8 +2763,8 @@
             <a:endParaRPr lang="zh-TW"/>
           </a:p>
         </c:txPr>
-        <c:crossAx val="254905440"/>
-        <c:crossesAt val="0"/>
+        <c:crossAx val="2128077544"/>
+        <c:crossesAt val="0.0"/>
         <c:auto val="1"/>
         <c:lblAlgn val="ctr"/>
         <c:lblOffset val="100"/>
@@ -2826,7 +2773,7 @@
         <c:noMultiLvlLbl val="0"/>
       </c:catAx>
       <c:valAx>
-        <c:axId val="254905440"/>
+        <c:axId val="2128077544"/>
         <c:scaling>
           <c:orientation val="minMax"/>
         </c:scaling>
@@ -2877,8 +2824,8 @@
             <a:endParaRPr lang="zh-TW"/>
           </a:p>
         </c:txPr>
-        <c:crossAx val="254904880"/>
-        <c:crossesAt val="1"/>
+        <c:crossAx val="2128073928"/>
+        <c:crossesAt val="1.0"/>
         <c:crossBetween val="midCat"/>
       </c:valAx>
       <c:spPr>
@@ -2910,7 +2857,7 @@
       <a:endParaRPr lang="zh-TW"/>
     </a:p>
   </c:txPr>
-  <c:externalData r:id="rId3">
+  <c:externalData r:id="rId1">
     <c:autoUpdate val="0"/>
   </c:externalData>
 </c:chartSpace>
@@ -2937,10 +2884,10 @@
           <c:layoutTarget val="inner"/>
           <c:xMode val="edge"/>
           <c:yMode val="edge"/>
-          <c:x val="3.1969309462915603E-2"/>
-          <c:y val="3.2407425722150857E-2"/>
-          <c:w val="0.94629156010230175"/>
-          <c:h val="0.90972273634323475"/>
+          <c:x val="0.0319693094629156"/>
+          <c:y val="0.0324074257221509"/>
+          <c:w val="0.946291560102302"/>
+          <c:h val="0.909722736343235"/>
         </c:manualLayout>
       </c:layout>
       <c:lineChart>
@@ -3012,13 +2959,13 @@
                 <c:formatCode>General</c:formatCode>
                 <c:ptCount val="6"/>
                 <c:pt idx="0">
-                  <c:v>16</c:v>
+                  <c:v>16.0</c:v>
                 </c:pt>
                 <c:pt idx="1">
                   <c:v>11.5</c:v>
                 </c:pt>
                 <c:pt idx="2">
-                  <c:v>7</c:v>
+                  <c:v>7.0</c:v>
                 </c:pt>
                 <c:pt idx="3">
                   <c:v>4.5</c:v>
@@ -3056,7 +3003,7 @@
                 <c:formatCode>General</c:formatCode>
                 <c:ptCount val="6"/>
                 <c:pt idx="0">
-                  <c:v>16</c:v>
+                  <c:v>16.0</c:v>
                 </c:pt>
                 <c:pt idx="1">
                   <c:v>12.8</c:v>
@@ -3071,7 +3018,7 @@
                   <c:v>3.2</c:v>
                 </c:pt>
                 <c:pt idx="5">
-                  <c:v>0</c:v>
+                  <c:v>0.0</c:v>
                 </c:pt>
               </c:numCache>
             </c:numRef>
@@ -3086,12 +3033,13 @@
           <c:showPercent val="0"/>
           <c:showBubbleSize val="0"/>
         </c:dLbls>
+        <c:marker val="1"/>
         <c:smooth val="0"/>
-        <c:axId val="254907680"/>
-        <c:axId val="254908240"/>
+        <c:axId val="2128785416"/>
+        <c:axId val="2128789032"/>
       </c:lineChart>
       <c:catAx>
-        <c:axId val="254907680"/>
+        <c:axId val="2128785416"/>
         <c:scaling>
           <c:orientation val="minMax"/>
         </c:scaling>
@@ -3134,8 +3082,8 @@
             <a:endParaRPr lang="zh-TW"/>
           </a:p>
         </c:txPr>
-        <c:crossAx val="254908240"/>
-        <c:crossesAt val="0"/>
+        <c:crossAx val="2128789032"/>
+        <c:crossesAt val="0.0"/>
         <c:auto val="1"/>
         <c:lblAlgn val="ctr"/>
         <c:lblOffset val="100"/>
@@ -3144,7 +3092,7 @@
         <c:noMultiLvlLbl val="0"/>
       </c:catAx>
       <c:valAx>
-        <c:axId val="254908240"/>
+        <c:axId val="2128789032"/>
         <c:scaling>
           <c:orientation val="minMax"/>
         </c:scaling>
@@ -3195,8 +3143,8 @@
             <a:endParaRPr lang="zh-TW"/>
           </a:p>
         </c:txPr>
-        <c:crossAx val="254907680"/>
-        <c:crossesAt val="1"/>
+        <c:crossAx val="2128785416"/>
+        <c:crossesAt val="1.0"/>
         <c:crossBetween val="midCat"/>
       </c:valAx>
       <c:spPr>
@@ -3228,7 +3176,7 @@
       <a:endParaRPr lang="zh-TW"/>
     </a:p>
   </c:txPr>
-  <c:externalData r:id="rId3">
+  <c:externalData r:id="rId1">
     <c:autoUpdate val="0"/>
   </c:externalData>
 </c:chartSpace>
@@ -3255,10 +3203,10 @@
           <c:layoutTarget val="inner"/>
           <c:xMode val="edge"/>
           <c:yMode val="edge"/>
-          <c:x val="3.1969309462915603E-2"/>
-          <c:y val="3.2407425722150857E-2"/>
-          <c:w val="0.94629156010230175"/>
-          <c:h val="0.90972273634323475"/>
+          <c:x val="0.0319693094629156"/>
+          <c:y val="0.0324074257221509"/>
+          <c:w val="0.946291560102302"/>
+          <c:h val="0.909722736343235"/>
         </c:manualLayout>
       </c:layout>
       <c:lineChart>
@@ -3333,10 +3281,10 @@
                   <c:v>22.5</c:v>
                 </c:pt>
                 <c:pt idx="1">
-                  <c:v>18</c:v>
+                  <c:v>18.0</c:v>
                 </c:pt>
                 <c:pt idx="2">
-                  <c:v>6</c:v>
+                  <c:v>6.0</c:v>
                 </c:pt>
                 <c:pt idx="3">
                   <c:v>2.5</c:v>
@@ -3345,7 +3293,7 @@
                   <c:v>2.5</c:v>
                 </c:pt>
                 <c:pt idx="5">
-                  <c:v>1</c:v>
+                  <c:v>1.0</c:v>
                 </c:pt>
               </c:numCache>
             </c:numRef>
@@ -3377,19 +3325,19 @@
                   <c:v>22.5</c:v>
                 </c:pt>
                 <c:pt idx="1">
-                  <c:v>18</c:v>
+                  <c:v>18.0</c:v>
                 </c:pt>
                 <c:pt idx="2">
                   <c:v>13.5</c:v>
                 </c:pt>
                 <c:pt idx="3">
-                  <c:v>9</c:v>
+                  <c:v>9.0</c:v>
                 </c:pt>
                 <c:pt idx="4">
                   <c:v>4.5</c:v>
                 </c:pt>
                 <c:pt idx="5">
-                  <c:v>0</c:v>
+                  <c:v>0.0</c:v>
                 </c:pt>
               </c:numCache>
             </c:numRef>
@@ -3404,12 +3352,13 @@
           <c:showPercent val="0"/>
           <c:showBubbleSize val="0"/>
         </c:dLbls>
+        <c:marker val="1"/>
         <c:smooth val="0"/>
-        <c:axId val="255431984"/>
-        <c:axId val="255432544"/>
+        <c:axId val="2128823672"/>
+        <c:axId val="2128827288"/>
       </c:lineChart>
       <c:catAx>
-        <c:axId val="255431984"/>
+        <c:axId val="2128823672"/>
         <c:scaling>
           <c:orientation val="minMax"/>
         </c:scaling>
@@ -3452,8 +3401,8 @@
             <a:endParaRPr lang="zh-TW"/>
           </a:p>
         </c:txPr>
-        <c:crossAx val="255432544"/>
-        <c:crossesAt val="0"/>
+        <c:crossAx val="2128827288"/>
+        <c:crossesAt val="0.0"/>
         <c:auto val="1"/>
         <c:lblAlgn val="ctr"/>
         <c:lblOffset val="100"/>
@@ -3462,7 +3411,7 @@
         <c:noMultiLvlLbl val="0"/>
       </c:catAx>
       <c:valAx>
-        <c:axId val="255432544"/>
+        <c:axId val="2128827288"/>
         <c:scaling>
           <c:orientation val="minMax"/>
         </c:scaling>
@@ -3513,8 +3462,8 @@
             <a:endParaRPr lang="zh-TW"/>
           </a:p>
         </c:txPr>
-        <c:crossAx val="255431984"/>
-        <c:crossesAt val="1"/>
+        <c:crossAx val="2128823672"/>
+        <c:crossesAt val="1.0"/>
         <c:crossBetween val="midCat"/>
       </c:valAx>
       <c:spPr>
@@ -3546,7 +3495,7 @@
       <a:endParaRPr lang="zh-TW"/>
     </a:p>
   </c:txPr>
-  <c:externalData r:id="rId3">
+  <c:externalData r:id="rId1">
     <c:autoUpdate val="0"/>
   </c:externalData>
 </c:chartSpace>
@@ -3573,10 +3522,10 @@
           <c:layoutTarget val="inner"/>
           <c:xMode val="edge"/>
           <c:yMode val="edge"/>
-          <c:x val="3.1969309462915603E-2"/>
-          <c:y val="3.2407425722150857E-2"/>
-          <c:w val="0.94629156010230175"/>
-          <c:h val="0.90972273634323475"/>
+          <c:x val="0.0319693094629156"/>
+          <c:y val="0.0324074257221509"/>
+          <c:w val="0.946291560102302"/>
+          <c:h val="0.909722736343235"/>
         </c:manualLayout>
       </c:layout>
       <c:lineChart>
@@ -3651,7 +3600,7 @@
                   <c:v>18.5</c:v>
                 </c:pt>
                 <c:pt idx="1">
-                  <c:v>11</c:v>
+                  <c:v>11.0</c:v>
                 </c:pt>
                 <c:pt idx="2">
                   <c:v>9.5</c:v>
@@ -3660,10 +3609,10 @@
                   <c:v>9.5</c:v>
                 </c:pt>
                 <c:pt idx="4">
-                  <c:v>4</c:v>
+                  <c:v>4.0</c:v>
                 </c:pt>
                 <c:pt idx="5">
-                  <c:v>0</c:v>
+                  <c:v>0.0</c:v>
                 </c:pt>
               </c:numCache>
             </c:numRef>
@@ -3707,7 +3656,7 @@
                   <c:v>3.7</c:v>
                 </c:pt>
                 <c:pt idx="5">
-                  <c:v>0</c:v>
+                  <c:v>0.0</c:v>
                 </c:pt>
               </c:numCache>
             </c:numRef>
@@ -3722,12 +3671,13 @@
           <c:showPercent val="0"/>
           <c:showBubbleSize val="0"/>
         </c:dLbls>
+        <c:marker val="1"/>
         <c:smooth val="0"/>
-        <c:axId val="255435344"/>
-        <c:axId val="255435904"/>
+        <c:axId val="2128859368"/>
+        <c:axId val="2128862984"/>
       </c:lineChart>
       <c:catAx>
-        <c:axId val="255435344"/>
+        <c:axId val="2128859368"/>
         <c:scaling>
           <c:orientation val="minMax"/>
         </c:scaling>
@@ -3770,8 +3720,8 @@
             <a:endParaRPr lang="zh-TW"/>
           </a:p>
         </c:txPr>
-        <c:crossAx val="255435904"/>
-        <c:crossesAt val="0"/>
+        <c:crossAx val="2128862984"/>
+        <c:crossesAt val="0.0"/>
         <c:auto val="1"/>
         <c:lblAlgn val="ctr"/>
         <c:lblOffset val="100"/>
@@ -3780,7 +3730,7 @@
         <c:noMultiLvlLbl val="0"/>
       </c:catAx>
       <c:valAx>
-        <c:axId val="255435904"/>
+        <c:axId val="2128862984"/>
         <c:scaling>
           <c:orientation val="minMax"/>
         </c:scaling>
@@ -3831,8 +3781,8 @@
             <a:endParaRPr lang="zh-TW"/>
           </a:p>
         </c:txPr>
-        <c:crossAx val="255435344"/>
-        <c:crossesAt val="1"/>
+        <c:crossAx val="2128859368"/>
+        <c:crossesAt val="1.0"/>
         <c:crossBetween val="midCat"/>
       </c:valAx>
       <c:spPr>
@@ -3864,7 +3814,7 @@
       <a:endParaRPr lang="zh-TW"/>
     </a:p>
   </c:txPr>
-  <c:externalData r:id="rId3">
+  <c:externalData r:id="rId1">
     <c:autoUpdate val="0"/>
   </c:externalData>
 </c:chartSpace>
@@ -3891,10 +3841,10 @@
           <c:layoutTarget val="inner"/>
           <c:xMode val="edge"/>
           <c:yMode val="edge"/>
-          <c:x val="3.1969309462915603E-2"/>
-          <c:y val="3.2407425722150912E-2"/>
-          <c:w val="0.94629156010230198"/>
-          <c:h val="0.90972273634323508"/>
+          <c:x val="0.0319693094629156"/>
+          <c:y val="0.0324074257221509"/>
+          <c:w val="0.946291560102302"/>
+          <c:h val="0.909722736343235"/>
         </c:manualLayout>
       </c:layout>
       <c:lineChart>
@@ -3966,19 +3916,19 @@
                 <c:formatCode>General</c:formatCode>
                 <c:ptCount val="6"/>
                 <c:pt idx="0">
-                  <c:v>20</c:v>
+                  <c:v>20.0</c:v>
                 </c:pt>
                 <c:pt idx="1">
-                  <c:v>16</c:v>
+                  <c:v>16.0</c:v>
                 </c:pt>
                 <c:pt idx="2">
-                  <c:v>9</c:v>
+                  <c:v>9.0</c:v>
                 </c:pt>
                 <c:pt idx="3">
-                  <c:v>7</c:v>
+                  <c:v>7.0</c:v>
                 </c:pt>
                 <c:pt idx="4">
-                  <c:v>2</c:v>
+                  <c:v>2.0</c:v>
                 </c:pt>
                 <c:pt idx="5">
                   <c:v>0.5</c:v>
@@ -4010,22 +3960,22 @@
                 <c:formatCode>General</c:formatCode>
                 <c:ptCount val="6"/>
                 <c:pt idx="0">
-                  <c:v>20</c:v>
+                  <c:v>20.0</c:v>
                 </c:pt>
                 <c:pt idx="1">
-                  <c:v>16</c:v>
+                  <c:v>16.0</c:v>
                 </c:pt>
                 <c:pt idx="2">
-                  <c:v>12</c:v>
+                  <c:v>12.0</c:v>
                 </c:pt>
                 <c:pt idx="3">
-                  <c:v>8</c:v>
+                  <c:v>8.0</c:v>
                 </c:pt>
                 <c:pt idx="4">
-                  <c:v>4</c:v>
+                  <c:v>4.0</c:v>
                 </c:pt>
                 <c:pt idx="5">
-                  <c:v>0</c:v>
+                  <c:v>0.0</c:v>
                 </c:pt>
               </c:numCache>
             </c:numRef>
@@ -4040,12 +3990,13 @@
           <c:showPercent val="0"/>
           <c:showBubbleSize val="0"/>
         </c:dLbls>
+        <c:marker val="1"/>
         <c:smooth val="0"/>
-        <c:axId val="255438704"/>
-        <c:axId val="255439264"/>
+        <c:axId val="2128894504"/>
+        <c:axId val="2128898120"/>
       </c:lineChart>
       <c:catAx>
-        <c:axId val="255438704"/>
+        <c:axId val="2128894504"/>
         <c:scaling>
           <c:orientation val="minMax"/>
         </c:scaling>
@@ -4088,8 +4039,8 @@
             <a:endParaRPr lang="zh-TW"/>
           </a:p>
         </c:txPr>
-        <c:crossAx val="255439264"/>
-        <c:crossesAt val="0"/>
+        <c:crossAx val="2128898120"/>
+        <c:crossesAt val="0.0"/>
         <c:auto val="1"/>
         <c:lblAlgn val="ctr"/>
         <c:lblOffset val="100"/>
@@ -4098,7 +4049,7 @@
         <c:noMultiLvlLbl val="0"/>
       </c:catAx>
       <c:valAx>
-        <c:axId val="255439264"/>
+        <c:axId val="2128898120"/>
         <c:scaling>
           <c:orientation val="minMax"/>
         </c:scaling>
@@ -4149,8 +4100,8 @@
             <a:endParaRPr lang="zh-TW"/>
           </a:p>
         </c:txPr>
-        <c:crossAx val="255438704"/>
-        <c:crossesAt val="1"/>
+        <c:crossAx val="2128894504"/>
+        <c:crossesAt val="1.0"/>
         <c:crossBetween val="midCat"/>
       </c:valAx>
       <c:spPr>
@@ -4182,7 +4133,7 @@
       <a:endParaRPr lang="zh-TW"/>
     </a:p>
   </c:txPr>
-  <c:externalData r:id="rId3">
+  <c:externalData r:id="rId1">
     <c:autoUpdate val="0"/>
   </c:externalData>
 </c:chartSpace>
@@ -4209,10 +4160,10 @@
           <c:layoutTarget val="inner"/>
           <c:xMode val="edge"/>
           <c:yMode val="edge"/>
-          <c:x val="3.1969309462915603E-2"/>
-          <c:y val="3.2407425722150912E-2"/>
-          <c:w val="0.94629156010230198"/>
-          <c:h val="0.90972273634323508"/>
+          <c:x val="0.0319693094629156"/>
+          <c:y val="0.0324074257221509"/>
+          <c:w val="0.946291560102302"/>
+          <c:h val="0.909722736343235"/>
         </c:manualLayout>
       </c:layout>
       <c:lineChart>
@@ -4287,16 +4238,16 @@
                   <c:v>28.5</c:v>
                 </c:pt>
                 <c:pt idx="1">
-                  <c:v>18</c:v>
+                  <c:v>18.0</c:v>
                 </c:pt>
                 <c:pt idx="2">
-                  <c:v>15</c:v>
+                  <c:v>15.0</c:v>
                 </c:pt>
                 <c:pt idx="3">
-                  <c:v>13</c:v>
+                  <c:v>13.0</c:v>
                 </c:pt>
                 <c:pt idx="4">
-                  <c:v>10</c:v>
+                  <c:v>10.0</c:v>
                 </c:pt>
                 <c:pt idx="5">
                   <c:v>3.5</c:v>
@@ -4334,7 +4285,7 @@
                   <c:v>22.8</c:v>
                 </c:pt>
                 <c:pt idx="2">
-                  <c:v>17.100000000000001</c:v>
+                  <c:v>17.1</c:v>
                 </c:pt>
                 <c:pt idx="3">
                   <c:v>11.4</c:v>
@@ -4343,7 +4294,7 @@
                   <c:v>5.7</c:v>
                 </c:pt>
                 <c:pt idx="5">
-                  <c:v>0</c:v>
+                  <c:v>0.0</c:v>
                 </c:pt>
               </c:numCache>
             </c:numRef>
@@ -4358,12 +4309,13 @@
           <c:showPercent val="0"/>
           <c:showBubbleSize val="0"/>
         </c:dLbls>
+        <c:marker val="1"/>
         <c:smooth val="0"/>
-        <c:axId val="255442064"/>
-        <c:axId val="255442624"/>
+        <c:axId val="2128929640"/>
+        <c:axId val="2128933256"/>
       </c:lineChart>
       <c:catAx>
-        <c:axId val="255442064"/>
+        <c:axId val="2128929640"/>
         <c:scaling>
           <c:orientation val="minMax"/>
         </c:scaling>
@@ -4406,8 +4358,8 @@
             <a:endParaRPr lang="zh-TW"/>
           </a:p>
         </c:txPr>
-        <c:crossAx val="255442624"/>
-        <c:crossesAt val="0"/>
+        <c:crossAx val="2128933256"/>
+        <c:crossesAt val="0.0"/>
         <c:auto val="1"/>
         <c:lblAlgn val="ctr"/>
         <c:lblOffset val="100"/>
@@ -4416,7 +4368,7 @@
         <c:noMultiLvlLbl val="0"/>
       </c:catAx>
       <c:valAx>
-        <c:axId val="255442624"/>
+        <c:axId val="2128933256"/>
         <c:scaling>
           <c:orientation val="minMax"/>
         </c:scaling>
@@ -4467,8 +4419,8 @@
             <a:endParaRPr lang="zh-TW"/>
           </a:p>
         </c:txPr>
-        <c:crossAx val="255442064"/>
-        <c:crossesAt val="1"/>
+        <c:crossAx val="2128929640"/>
+        <c:crossesAt val="1.0"/>
         <c:crossBetween val="midCat"/>
       </c:valAx>
       <c:spPr>
@@ -4500,7 +4452,7 @@
       <a:endParaRPr lang="zh-TW"/>
     </a:p>
   </c:txPr>
-  <c:externalData r:id="rId3">
+  <c:externalData r:id="rId1">
     <c:autoUpdate val="0"/>
   </c:externalData>
 </c:chartSpace>
@@ -4527,10 +4479,10 @@
           <c:layoutTarget val="inner"/>
           <c:xMode val="edge"/>
           <c:yMode val="edge"/>
-          <c:x val="3.1969309462915603E-2"/>
-          <c:y val="3.2407425722150912E-2"/>
-          <c:w val="0.94629156010230198"/>
-          <c:h val="0.90972273634323508"/>
+          <c:x val="0.0319693094629156"/>
+          <c:y val="0.0324074257221509"/>
+          <c:w val="0.946291560102302"/>
+          <c:h val="0.909722736343235"/>
         </c:manualLayout>
       </c:layout>
       <c:lineChart>
@@ -4605,7 +4557,7 @@
                   <c:v>21.5</c:v>
                 </c:pt>
                 <c:pt idx="1">
-                  <c:v>17</c:v>
+                  <c:v>17.0</c:v>
                 </c:pt>
                 <c:pt idx="2">
                   <c:v>8.5</c:v>
@@ -4617,7 +4569,7 @@
                   <c:v>3.5</c:v>
                 </c:pt>
                 <c:pt idx="5">
-                  <c:v>0</c:v>
+                  <c:v>0.0</c:v>
                 </c:pt>
               </c:numCache>
             </c:numRef>
@@ -4661,7 +4613,7 @@
                   <c:v>4.3</c:v>
                 </c:pt>
                 <c:pt idx="5">
-                  <c:v>0</c:v>
+                  <c:v>0.0</c:v>
                 </c:pt>
               </c:numCache>
             </c:numRef>
@@ -4676,12 +4628,13 @@
           <c:showPercent val="0"/>
           <c:showBubbleSize val="0"/>
         </c:dLbls>
+        <c:marker val="1"/>
         <c:smooth val="0"/>
-        <c:axId val="255445424"/>
-        <c:axId val="255445984"/>
+        <c:axId val="2128964856"/>
+        <c:axId val="2128968472"/>
       </c:lineChart>
       <c:catAx>
-        <c:axId val="255445424"/>
+        <c:axId val="2128964856"/>
         <c:scaling>
           <c:orientation val="minMax"/>
         </c:scaling>
@@ -4724,8 +4677,8 @@
             <a:endParaRPr lang="zh-TW"/>
           </a:p>
         </c:txPr>
-        <c:crossAx val="255445984"/>
-        <c:crossesAt val="0"/>
+        <c:crossAx val="2128968472"/>
+        <c:crossesAt val="0.0"/>
         <c:auto val="1"/>
         <c:lblAlgn val="ctr"/>
         <c:lblOffset val="100"/>
@@ -4734,7 +4687,7 @@
         <c:noMultiLvlLbl val="0"/>
       </c:catAx>
       <c:valAx>
-        <c:axId val="255445984"/>
+        <c:axId val="2128968472"/>
         <c:scaling>
           <c:orientation val="minMax"/>
         </c:scaling>
@@ -4785,8 +4738,8 @@
             <a:endParaRPr lang="zh-TW"/>
           </a:p>
         </c:txPr>
-        <c:crossAx val="255445424"/>
-        <c:crossesAt val="1"/>
+        <c:crossAx val="2128964856"/>
+        <c:crossesAt val="1.0"/>
         <c:crossBetween val="midCat"/>
       </c:valAx>
       <c:spPr>
@@ -4818,7 +4771,7 @@
       <a:endParaRPr lang="zh-TW"/>
     </a:p>
   </c:txPr>
-  <c:externalData r:id="rId3">
+  <c:externalData r:id="rId1">
     <c:autoUpdate val="0"/>
   </c:externalData>
 </c:chartSpace>
@@ -11651,7 +11604,7 @@
           <a:p>
             <a:fld id="{6BFECD78-3C8E-49F2-8FAB-59489D168ABB}" type="datetimeFigureOut">
               <a:rPr lang="en-US" smtClean="0"/>
-              <a:t>1/6/2016</a:t>
+              <a:t>16/1/6</a:t>
             </a:fld>
             <a:endParaRPr lang="en-US"/>
           </a:p>
@@ -11821,7 +11774,7 @@
           <a:p>
             <a:fld id="{6BFECD78-3C8E-49F2-8FAB-59489D168ABB}" type="datetimeFigureOut">
               <a:rPr lang="en-US" smtClean="0"/>
-              <a:t>1/6/2016</a:t>
+              <a:t>16/1/6</a:t>
             </a:fld>
             <a:endParaRPr lang="en-US"/>
           </a:p>
@@ -12001,7 +11954,7 @@
           <a:p>
             <a:fld id="{6BFECD78-3C8E-49F2-8FAB-59489D168ABB}" type="datetimeFigureOut">
               <a:rPr lang="en-US" smtClean="0"/>
-              <a:t>1/6/2016</a:t>
+              <a:t>16/1/6</a:t>
             </a:fld>
             <a:endParaRPr lang="en-US"/>
           </a:p>
@@ -12171,7 +12124,7 @@
           <a:p>
             <a:fld id="{6BFECD78-3C8E-49F2-8FAB-59489D168ABB}" type="datetimeFigureOut">
               <a:rPr lang="en-US" smtClean="0"/>
-              <a:t>1/6/2016</a:t>
+              <a:t>16/1/6</a:t>
             </a:fld>
             <a:endParaRPr lang="en-US"/>
           </a:p>
@@ -12417,7 +12370,7 @@
           <a:p>
             <a:fld id="{6BFECD78-3C8E-49F2-8FAB-59489D168ABB}" type="datetimeFigureOut">
               <a:rPr lang="en-US" smtClean="0"/>
-              <a:t>1/6/2016</a:t>
+              <a:t>16/1/6</a:t>
             </a:fld>
             <a:endParaRPr lang="en-US"/>
           </a:p>
@@ -12705,7 +12658,7 @@
           <a:p>
             <a:fld id="{6BFECD78-3C8E-49F2-8FAB-59489D168ABB}" type="datetimeFigureOut">
               <a:rPr lang="en-US" smtClean="0"/>
-              <a:t>1/6/2016</a:t>
+              <a:t>16/1/6</a:t>
             </a:fld>
             <a:endParaRPr lang="en-US"/>
           </a:p>
@@ -13127,7 +13080,7 @@
           <a:p>
             <a:fld id="{6BFECD78-3C8E-49F2-8FAB-59489D168ABB}" type="datetimeFigureOut">
               <a:rPr lang="en-US" smtClean="0"/>
-              <a:t>1/6/2016</a:t>
+              <a:t>16/1/6</a:t>
             </a:fld>
             <a:endParaRPr lang="en-US"/>
           </a:p>
@@ -13245,7 +13198,7 @@
           <a:p>
             <a:fld id="{6BFECD78-3C8E-49F2-8FAB-59489D168ABB}" type="datetimeFigureOut">
               <a:rPr lang="en-US" smtClean="0"/>
-              <a:t>1/6/2016</a:t>
+              <a:t>16/1/6</a:t>
             </a:fld>
             <a:endParaRPr lang="en-US"/>
           </a:p>
@@ -13340,7 +13293,7 @@
           <a:p>
             <a:fld id="{6BFECD78-3C8E-49F2-8FAB-59489D168ABB}" type="datetimeFigureOut">
               <a:rPr lang="en-US" smtClean="0"/>
-              <a:t>1/6/2016</a:t>
+              <a:t>16/1/6</a:t>
             </a:fld>
             <a:endParaRPr lang="en-US"/>
           </a:p>
@@ -13617,7 +13570,7 @@
           <a:p>
             <a:fld id="{6BFECD78-3C8E-49F2-8FAB-59489D168ABB}" type="datetimeFigureOut">
               <a:rPr lang="en-US" smtClean="0"/>
-              <a:t>1/6/2016</a:t>
+              <a:t>16/1/6</a:t>
             </a:fld>
             <a:endParaRPr lang="en-US"/>
           </a:p>
@@ -13874,7 +13827,7 @@
           <a:p>
             <a:fld id="{6BFECD78-3C8E-49F2-8FAB-59489D168ABB}" type="datetimeFigureOut">
               <a:rPr lang="en-US" smtClean="0"/>
-              <a:t>1/6/2016</a:t>
+              <a:t>16/1/6</a:t>
             </a:fld>
             <a:endParaRPr lang="en-US"/>
           </a:p>
@@ -14087,7 +14040,7 @@
           <a:p>
             <a:fld id="{6BFECD78-3C8E-49F2-8FAB-59489D168ABB}" type="datetimeFigureOut">
               <a:rPr lang="en-US" smtClean="0"/>
-              <a:t>1/6/2016</a:t>
+              <a:t>16/1/6</a:t>
             </a:fld>
             <a:endParaRPr lang="en-US"/>
           </a:p>
@@ -14739,7 +14692,7 @@
   <p:timing>
     <p:tnLst>
       <p:par>
-        <p:cTn id="1" dur="indefinite" restart="never" nodeType="tmRoot"/>
+        <p:cTn xmlns:p14="http://schemas.microsoft.com/office/powerpoint/2010/main" id="1" dur="indefinite" restart="never" nodeType="tmRoot"/>
       </p:par>
     </p:tnLst>
   </p:timing>
@@ -14781,8 +14734,12 @@
           <a:lstStyle/>
           <a:p>
             <a:r>
+              <a:rPr lang="en-US" altLang="zh-TW" sz="3200" dirty="0" smtClean="0"/>
+              <a:t>History </a:t>
+            </a:r>
+            <a:r>
               <a:rPr lang="en-US" altLang="zh-TW" sz="3200" dirty="0"/>
-              <a:t>Change History of The Project</a:t>
+              <a:t>of The Project</a:t>
             </a:r>
             <a:endParaRPr lang="zh-TW" altLang="en-US" sz="3200" dirty="0"/>
           </a:p>
@@ -14797,14 +14754,14 @@
           <p:nvPr>
             <p:extLst>
               <p:ext uri="{D42A27DB-BD31-4B8C-83A1-F6EECF244321}">
-                <p14:modId xmlns:p14="http://schemas.microsoft.com/office/powerpoint/2010/main" val="1024222533"/>
+                <p14:modId xmlns:p14="http://schemas.microsoft.com/office/powerpoint/2010/main" val="3161015243"/>
               </p:ext>
             </p:extLst>
           </p:nvPr>
         </p:nvGraphicFramePr>
         <p:xfrm>
-          <a:off x="457200" y="1396996"/>
-          <a:ext cx="8229600" cy="5183235"/>
+          <a:off x="457200" y="1230696"/>
+          <a:ext cx="8229600" cy="5221335"/>
         </p:xfrm>
         <a:graphic>
           <a:graphicData uri="http://schemas.openxmlformats.org/drawingml/2006/table">
@@ -16287,7 +16244,7 @@
   <p:timing>
     <p:tnLst>
       <p:par>
-        <p:cTn id="1" dur="indefinite" restart="never" nodeType="tmRoot"/>
+        <p:cTn xmlns:p14="http://schemas.microsoft.com/office/powerpoint/2010/main" id="1" dur="indefinite" restart="never" nodeType="tmRoot"/>
       </p:par>
     </p:tnLst>
   </p:timing>
@@ -16345,13 +16302,13 @@
           <p:nvPr>
             <p:extLst>
               <p:ext uri="{D42A27DB-BD31-4B8C-83A1-F6EECF244321}">
-                <p14:modId xmlns:p14="http://schemas.microsoft.com/office/powerpoint/2010/main" val="3801375611"/>
+                <p14:modId xmlns:p14="http://schemas.microsoft.com/office/powerpoint/2010/main" val="3164386840"/>
               </p:ext>
             </p:extLst>
           </p:nvPr>
         </p:nvGraphicFramePr>
         <p:xfrm>
-          <a:off x="295667" y="1417638"/>
+          <a:off x="295667" y="1281574"/>
           <a:ext cx="2732256" cy="1623507"/>
         </p:xfrm>
         <a:graphic>
@@ -16369,13 +16326,13 @@
           <p:nvPr>
             <p:extLst>
               <p:ext uri="{D42A27DB-BD31-4B8C-83A1-F6EECF244321}">
-                <p14:modId xmlns:p14="http://schemas.microsoft.com/office/powerpoint/2010/main" val="566667941"/>
+                <p14:modId xmlns:p14="http://schemas.microsoft.com/office/powerpoint/2010/main" val="1960897113"/>
               </p:ext>
             </p:extLst>
           </p:nvPr>
         </p:nvGraphicFramePr>
         <p:xfrm>
-          <a:off x="295666" y="3151904"/>
+          <a:off x="295666" y="3015840"/>
           <a:ext cx="2732256" cy="1623508"/>
         </p:xfrm>
         <a:graphic>
@@ -16393,13 +16350,13 @@
           <p:nvPr>
             <p:extLst>
               <p:ext uri="{D42A27DB-BD31-4B8C-83A1-F6EECF244321}">
-                <p14:modId xmlns:p14="http://schemas.microsoft.com/office/powerpoint/2010/main" val="3751171918"/>
+                <p14:modId xmlns:p14="http://schemas.microsoft.com/office/powerpoint/2010/main" val="3384884387"/>
               </p:ext>
             </p:extLst>
           </p:nvPr>
         </p:nvGraphicFramePr>
         <p:xfrm>
-          <a:off x="295667" y="4891142"/>
+          <a:off x="295667" y="4755078"/>
           <a:ext cx="2732257" cy="1638689"/>
         </p:xfrm>
         <a:graphic>
@@ -16417,13 +16374,13 @@
           <p:nvPr>
             <p:extLst>
               <p:ext uri="{D42A27DB-BD31-4B8C-83A1-F6EECF244321}">
-                <p14:modId xmlns:p14="http://schemas.microsoft.com/office/powerpoint/2010/main" val="989613946"/>
+                <p14:modId xmlns:p14="http://schemas.microsoft.com/office/powerpoint/2010/main" val="2192547288"/>
               </p:ext>
             </p:extLst>
           </p:nvPr>
         </p:nvGraphicFramePr>
         <p:xfrm>
-          <a:off x="3184629" y="1417638"/>
+          <a:off x="3184629" y="1281574"/>
           <a:ext cx="2725830" cy="1619689"/>
         </p:xfrm>
         <a:graphic>
@@ -16441,13 +16398,13 @@
           <p:nvPr>
             <p:extLst>
               <p:ext uri="{D42A27DB-BD31-4B8C-83A1-F6EECF244321}">
-                <p14:modId xmlns:p14="http://schemas.microsoft.com/office/powerpoint/2010/main" val="4082803333"/>
+                <p14:modId xmlns:p14="http://schemas.microsoft.com/office/powerpoint/2010/main" val="3891810106"/>
               </p:ext>
             </p:extLst>
           </p:nvPr>
         </p:nvGraphicFramePr>
         <p:xfrm>
-          <a:off x="3181968" y="3151905"/>
+          <a:off x="3181968" y="3015841"/>
           <a:ext cx="2742741" cy="1629738"/>
         </p:xfrm>
         <a:graphic>
@@ -16465,13 +16422,13 @@
           <p:nvPr>
             <p:extLst>
               <p:ext uri="{D42A27DB-BD31-4B8C-83A1-F6EECF244321}">
-                <p14:modId xmlns:p14="http://schemas.microsoft.com/office/powerpoint/2010/main" val="1418878338"/>
+                <p14:modId xmlns:p14="http://schemas.microsoft.com/office/powerpoint/2010/main" val="4214802005"/>
               </p:ext>
             </p:extLst>
           </p:nvPr>
         </p:nvGraphicFramePr>
         <p:xfrm>
-          <a:off x="3181968" y="4905242"/>
+          <a:off x="3181968" y="4769178"/>
           <a:ext cx="2742741" cy="1629738"/>
         </p:xfrm>
         <a:graphic>
@@ -16489,13 +16446,13 @@
           <p:nvPr>
             <p:extLst>
               <p:ext uri="{D42A27DB-BD31-4B8C-83A1-F6EECF244321}">
-                <p14:modId xmlns:p14="http://schemas.microsoft.com/office/powerpoint/2010/main" val="38533270"/>
+                <p14:modId xmlns:p14="http://schemas.microsoft.com/office/powerpoint/2010/main" val="3028879262"/>
               </p:ext>
             </p:extLst>
           </p:nvPr>
         </p:nvGraphicFramePr>
         <p:xfrm>
-          <a:off x="6067165" y="1406345"/>
+          <a:off x="6067165" y="1270281"/>
           <a:ext cx="2744835" cy="1630982"/>
         </p:xfrm>
         <a:graphic>
@@ -16513,13 +16470,13 @@
           <p:nvPr>
             <p:extLst>
               <p:ext uri="{D42A27DB-BD31-4B8C-83A1-F6EECF244321}">
-                <p14:modId xmlns:p14="http://schemas.microsoft.com/office/powerpoint/2010/main" val="3139725868"/>
+                <p14:modId xmlns:p14="http://schemas.microsoft.com/office/powerpoint/2010/main" val="3680668837"/>
               </p:ext>
             </p:extLst>
           </p:nvPr>
         </p:nvGraphicFramePr>
         <p:xfrm>
-          <a:off x="6067165" y="3151905"/>
+          <a:off x="6067165" y="3015841"/>
           <a:ext cx="2744835" cy="1630982"/>
         </p:xfrm>
         <a:graphic>
@@ -16537,13 +16494,13 @@
           <p:nvPr>
             <p:extLst>
               <p:ext uri="{D42A27DB-BD31-4B8C-83A1-F6EECF244321}">
-                <p14:modId xmlns:p14="http://schemas.microsoft.com/office/powerpoint/2010/main" val="3038774545"/>
+                <p14:modId xmlns:p14="http://schemas.microsoft.com/office/powerpoint/2010/main" val="2295532651"/>
               </p:ext>
             </p:extLst>
           </p:nvPr>
         </p:nvGraphicFramePr>
         <p:xfrm>
-          <a:off x="6067165" y="4913030"/>
+          <a:off x="6067165" y="4776966"/>
           <a:ext cx="2744835" cy="1630982"/>
         </p:xfrm>
         <a:graphic>
@@ -16565,7 +16522,7 @@
   <p:timing>
     <p:tnLst>
       <p:par>
-        <p:cTn id="1" dur="indefinite" restart="never" nodeType="tmRoot"/>
+        <p:cTn xmlns:p14="http://schemas.microsoft.com/office/powerpoint/2010/main" id="1" dur="indefinite" restart="never" nodeType="tmRoot"/>
       </p:par>
     </p:tnLst>
   </p:timing>
@@ -16623,13 +16580,13 @@
           <p:nvPr>
             <p:extLst>
               <p:ext uri="{D42A27DB-BD31-4B8C-83A1-F6EECF244321}">
-                <p14:modId xmlns:p14="http://schemas.microsoft.com/office/powerpoint/2010/main" val="2720558728"/>
+                <p14:modId xmlns:p14="http://schemas.microsoft.com/office/powerpoint/2010/main" val="756099096"/>
               </p:ext>
             </p:extLst>
           </p:nvPr>
         </p:nvGraphicFramePr>
         <p:xfrm>
-          <a:off x="1700349" y="1417638"/>
+          <a:off x="1700349" y="1247466"/>
           <a:ext cx="5743302" cy="1695323"/>
         </p:xfrm>
         <a:graphic>
@@ -16647,13 +16604,13 @@
           <p:nvPr>
             <p:extLst>
               <p:ext uri="{D42A27DB-BD31-4B8C-83A1-F6EECF244321}">
-                <p14:modId xmlns:p14="http://schemas.microsoft.com/office/powerpoint/2010/main" val="414812864"/>
+                <p14:modId xmlns:p14="http://schemas.microsoft.com/office/powerpoint/2010/main" val="3099850473"/>
               </p:ext>
             </p:extLst>
           </p:nvPr>
         </p:nvGraphicFramePr>
         <p:xfrm>
-          <a:off x="1726542" y="3283133"/>
+          <a:off x="1726542" y="3112961"/>
           <a:ext cx="5690915" cy="3248296"/>
         </p:xfrm>
         <a:graphic>
@@ -16675,7 +16632,7 @@
   <p:timing>
     <p:tnLst>
       <p:par>
-        <p:cTn id="1" dur="indefinite" restart="never" nodeType="tmRoot"/>
+        <p:cTn xmlns:p14="http://schemas.microsoft.com/office/powerpoint/2010/main" id="1" dur="indefinite" restart="never" nodeType="tmRoot"/>
       </p:par>
     </p:tnLst>
   </p:timing>
@@ -16733,13 +16690,13 @@
           <p:nvPr>
             <p:extLst>
               <p:ext uri="{D42A27DB-BD31-4B8C-83A1-F6EECF244321}">
-                <p14:modId xmlns:p14="http://schemas.microsoft.com/office/powerpoint/2010/main" val="3567275431"/>
+                <p14:modId xmlns:p14="http://schemas.microsoft.com/office/powerpoint/2010/main" val="846625054"/>
               </p:ext>
             </p:extLst>
           </p:nvPr>
         </p:nvGraphicFramePr>
         <p:xfrm>
-          <a:off x="176414" y="1417637"/>
+          <a:off x="176414" y="1170905"/>
           <a:ext cx="3387085" cy="2065791"/>
         </p:xfrm>
         <a:graphic>
@@ -16757,13 +16714,13 @@
           <p:nvPr>
             <p:extLst>
               <p:ext uri="{D42A27DB-BD31-4B8C-83A1-F6EECF244321}">
-                <p14:modId xmlns:p14="http://schemas.microsoft.com/office/powerpoint/2010/main" val="1837830518"/>
+                <p14:modId xmlns:p14="http://schemas.microsoft.com/office/powerpoint/2010/main" val="2283907683"/>
               </p:ext>
             </p:extLst>
           </p:nvPr>
         </p:nvGraphicFramePr>
         <p:xfrm>
-          <a:off x="3431177" y="1664370"/>
+          <a:off x="3431177" y="1417638"/>
           <a:ext cx="5547722" cy="4997818"/>
         </p:xfrm>
         <a:graphic>
@@ -17078,12 +17035,27 @@
                     <a:bodyPr/>
                     <a:lstStyle/>
                     <a:p>
-                      <a:pPr algn="ctr"/>
+                      <a:pPr marL="0" marR="0" indent="0" algn="ctr" defTabSz="914400" rtl="0" eaLnBrk="1" fontAlgn="auto" latinLnBrk="0" hangingPunct="1">
+                        <a:lnSpc>
+                          <a:spcPct val="100000"/>
+                        </a:lnSpc>
+                        <a:spcBef>
+                          <a:spcPts val="0"/>
+                        </a:spcBef>
+                        <a:spcAft>
+                          <a:spcPts val="0"/>
+                        </a:spcAft>
+                        <a:buClrTx/>
+                        <a:buSzTx/>
+                        <a:buFontTx/>
+                        <a:buNone/>
+                        <a:tabLst/>
+                        <a:defRPr/>
+                      </a:pPr>
                       <a:r>
                         <a:rPr lang="zh-TW" altLang="en-US" dirty="0" smtClean="0"/>
-                        <a:t>施帛辰</a:t>
-                      </a:r>
-                      <a:endParaRPr lang="zh-TW" altLang="en-US" dirty="0"/>
+                        <a:t>林家文</a:t>
+                      </a:r>
                     </a:p>
                   </a:txBody>
                   <a:tcPr anchor="ctr"/>
@@ -17176,12 +17148,27 @@
                     <a:bodyPr/>
                     <a:lstStyle/>
                     <a:p>
-                      <a:pPr algn="ctr"/>
+                      <a:pPr marL="0" marR="0" indent="0" algn="ctr" defTabSz="914400" rtl="0" eaLnBrk="1" fontAlgn="auto" latinLnBrk="0" hangingPunct="1">
+                        <a:lnSpc>
+                          <a:spcPct val="100000"/>
+                        </a:lnSpc>
+                        <a:spcBef>
+                          <a:spcPts val="0"/>
+                        </a:spcBef>
+                        <a:spcAft>
+                          <a:spcPts val="0"/>
+                        </a:spcAft>
+                        <a:buClrTx/>
+                        <a:buSzTx/>
+                        <a:buFontTx/>
+                        <a:buNone/>
+                        <a:tabLst/>
+                        <a:defRPr/>
+                      </a:pPr>
                       <a:r>
                         <a:rPr lang="zh-TW" altLang="en-US" dirty="0" smtClean="0"/>
-                        <a:t>林家文</a:t>
-                      </a:r>
-                      <a:endParaRPr lang="zh-TW" altLang="en-US" dirty="0"/>
+                        <a:t>施帛辰</a:t>
+                      </a:r>
                     </a:p>
                   </a:txBody>
                   <a:tcPr anchor="ctr"/>
@@ -17427,7 +17414,7 @@
         </p:blipFill>
         <p:spPr bwMode="auto">
           <a:xfrm>
-            <a:off x="176414" y="3483428"/>
+            <a:off x="176414" y="3236696"/>
             <a:ext cx="3185093" cy="3178760"/>
           </a:xfrm>
           <a:prstGeom prst="rect">
@@ -17438,14 +17425,14 @@
             <a:noFill/>
           </a:ln>
           <a:extLst>
-            <a:ext uri="{909E8E84-426E-40DD-AFC4-6F175D3DCCD1}">
+            <a:ext uri="{909E8E84-426E-40dd-AFC4-6F175D3DCCD1}">
               <a14:hiddenFill xmlns:a14="http://schemas.microsoft.com/office/drawing/2010/main">
                 <a:solidFill>
                   <a:srgbClr val="FFFFFF"/>
                 </a:solidFill>
               </a14:hiddenFill>
             </a:ext>
-            <a:ext uri="{91240B29-F687-4F45-9708-019B960494DF}">
+            <a:ext uri="{91240B29-F687-4f45-9708-019B960494DF}">
               <a14:hiddenLine xmlns:a14="http://schemas.microsoft.com/office/drawing/2010/main" w="9525">
                 <a:solidFill>
                   <a:srgbClr val="000000"/>
@@ -17471,7 +17458,7 @@
   <p:timing>
     <p:tnLst>
       <p:par>
-        <p:cTn id="1" dur="indefinite" restart="never" nodeType="tmRoot"/>
+        <p:cTn xmlns:p14="http://schemas.microsoft.com/office/powerpoint/2010/main" id="1" dur="indefinite" restart="never" nodeType="tmRoot"/>
       </p:par>
     </p:tnLst>
   </p:timing>
@@ -17719,7 +17706,7 @@
   <p:timing>
     <p:tnLst>
       <p:par>
-        <p:cTn id="1" dur="indefinite" restart="never" nodeType="tmRoot"/>
+        <p:cTn xmlns:p14="http://schemas.microsoft.com/office/powerpoint/2010/main" id="1" dur="indefinite" restart="never" nodeType="tmRoot"/>
       </p:par>
     </p:tnLst>
   </p:timing>
@@ -17778,13 +17765,13 @@
             <p:ph idx="1"/>
             <p:extLst>
               <p:ext uri="{D42A27DB-BD31-4B8C-83A1-F6EECF244321}">
-                <p14:modId xmlns:p14="http://schemas.microsoft.com/office/powerpoint/2010/main" val="1435166302"/>
+                <p14:modId xmlns:p14="http://schemas.microsoft.com/office/powerpoint/2010/main" val="2368817113"/>
               </p:ext>
             </p:extLst>
           </p:nvPr>
         </p:nvGraphicFramePr>
         <p:xfrm>
-          <a:off x="457200" y="1600202"/>
+          <a:off x="457200" y="1417638"/>
           <a:ext cx="8229600" cy="4878974"/>
         </p:xfrm>
         <a:graphic>
@@ -17817,12 +17804,16 @@
                     <a:p>
                       <a:pPr algn="ctr"/>
                       <a:r>
-                        <a:rPr lang="en-US" sz="1400" smtClean="0"/>
-                        <a:t>Requitrement</a:t>
-                      </a:r>
-                      <a:r>
-                        <a:rPr lang="en-US" sz="1400" baseline="0" smtClean="0"/>
-                        <a:t> Content</a:t>
+                        <a:rPr lang="en-US" sz="1400" dirty="0" smtClean="0"/>
+                        <a:t>Requirement</a:t>
+                      </a:r>
+                      <a:r>
+                        <a:rPr lang="en-US" sz="1400" baseline="0" dirty="0" smtClean="0"/>
+                        <a:t> </a:t>
+                      </a:r>
+                      <a:r>
+                        <a:rPr lang="en-US" sz="1400" baseline="0" dirty="0" smtClean="0"/>
+                        <a:t>Content</a:t>
                       </a:r>
                       <a:endParaRPr lang="en-US" sz="1400" dirty="0"/>
                     </a:p>
@@ -18254,7 +18245,7 @@
   <p:timing>
     <p:tnLst>
       <p:par>
-        <p:cTn id="1" dur="indefinite" restart="never" nodeType="tmRoot"/>
+        <p:cTn xmlns:p14="http://schemas.microsoft.com/office/powerpoint/2010/main" id="1" dur="indefinite" restart="never" nodeType="tmRoot"/>
       </p:par>
     </p:tnLst>
   </p:timing>
@@ -18407,7 +18398,19 @@
             </a:r>
             <a:r>
               <a:rPr lang="zh-TW" altLang="en-US" dirty="0" smtClean="0"/>
-              <a:t>的處理方是需要更加完善</a:t>
+              <a:t>的處理方</a:t>
+            </a:r>
+            <a:r>
+              <a:rPr lang="zh-TW" altLang="en-US" dirty="0" smtClean="0"/>
+              <a:t>式</a:t>
+            </a:r>
+            <a:r>
+              <a:rPr lang="zh-TW" altLang="en-US" dirty="0" smtClean="0"/>
+              <a:t>需要</a:t>
+            </a:r>
+            <a:r>
+              <a:rPr lang="zh-TW" altLang="en-US" dirty="0" smtClean="0"/>
+              <a:t>更加完善</a:t>
             </a:r>
             <a:endParaRPr lang="en-US" altLang="zh-TW" dirty="0" smtClean="0"/>
           </a:p>
@@ -18429,10 +18432,9 @@
           </a:p>
           <a:p>
             <a:r>
-              <a:rPr lang="en-US" altLang="zh-TW" sz="2400"/>
+              <a:rPr lang="en-US" altLang="zh-TW" sz="2400" dirty="0"/>
               <a:t>GitHub </a:t>
             </a:r>
-            <a:endParaRPr lang="en-US" altLang="zh-TW" sz="2400"/>
           </a:p>
           <a:p>
             <a:pPr lvl="1"/>
@@ -18465,7 +18467,7 @@
   <p:timing>
     <p:tnLst>
       <p:par>
-        <p:cTn id="1" dur="indefinite" restart="never" nodeType="tmRoot"/>
+        <p:cTn xmlns:p14="http://schemas.microsoft.com/office/powerpoint/2010/main" id="1" dur="indefinite" restart="never" nodeType="tmRoot"/>
       </p:par>
     </p:tnLst>
   </p:timing>
@@ -18528,6 +18530,42 @@
           </a:p>
         </p:txBody>
       </p:sp>
+      <p:sp>
+        <p:nvSpPr>
+          <p:cNvPr id="3" name="文字方塊 2"/>
+          <p:cNvSpPr txBox="1"/>
+          <p:nvPr/>
+        </p:nvSpPr>
+        <p:spPr>
+          <a:xfrm>
+            <a:off x="6474191" y="6211669"/>
+            <a:ext cx="2669809" cy="646331"/>
+          </a:xfrm>
+          <a:prstGeom prst="rect">
+            <a:avLst/>
+          </a:prstGeom>
+          <a:noFill/>
+        </p:spPr>
+        <p:txBody>
+          <a:bodyPr wrap="none" rtlCol="0">
+            <a:spAutoFit/>
+          </a:bodyPr>
+          <a:lstStyle/>
+          <a:p>
+            <a:r>
+              <a:rPr kumimoji="1" lang="en-US" altLang="zh-TW" dirty="0" smtClean="0"/>
+              <a:t>Account: teacher1234</a:t>
+            </a:r>
+          </a:p>
+          <a:p>
+            <a:r>
+              <a:rPr kumimoji="1" lang="en-US" altLang="zh-TW" dirty="0" smtClean="0"/>
+              <a:t>Password: Teacher1234</a:t>
+            </a:r>
+            <a:endParaRPr kumimoji="1" lang="zh-TW" altLang="en-US" dirty="0"/>
+          </a:p>
+        </p:txBody>
+      </p:sp>
     </p:spTree>
     <p:extLst>
       <p:ext uri="{BB962C8B-B14F-4D97-AF65-F5344CB8AC3E}">
@@ -18541,7 +18579,7 @@
   <p:timing>
     <p:tnLst>
       <p:par>
-        <p:cTn id="1" dur="indefinite" restart="never" nodeType="tmRoot"/>
+        <p:cTn xmlns:p14="http://schemas.microsoft.com/office/powerpoint/2010/main" id="1" dur="indefinite" restart="never" nodeType="tmRoot"/>
       </p:par>
     </p:tnLst>
   </p:timing>
